--- a/JMeter Training.pptx
+++ b/JMeter Training.pptx
@@ -10,15 +10,15 @@
     <p:sldId id="256" r:id="rId4"/>
     <p:sldId id="264" r:id="rId5"/>
     <p:sldId id="270" r:id="rId6"/>
-    <p:sldId id="262" r:id="rId7"/>
-    <p:sldId id="259" r:id="rId8"/>
-    <p:sldId id="257" r:id="rId9"/>
-    <p:sldId id="258" r:id="rId10"/>
-    <p:sldId id="263" r:id="rId11"/>
-    <p:sldId id="265" r:id="rId12"/>
-    <p:sldId id="266" r:id="rId13"/>
-    <p:sldId id="267" r:id="rId14"/>
-    <p:sldId id="268" r:id="rId15"/>
+    <p:sldId id="266" r:id="rId7"/>
+    <p:sldId id="267" r:id="rId8"/>
+    <p:sldId id="268" r:id="rId9"/>
+    <p:sldId id="262" r:id="rId10"/>
+    <p:sldId id="259" r:id="rId11"/>
+    <p:sldId id="257" r:id="rId12"/>
+    <p:sldId id="258" r:id="rId13"/>
+    <p:sldId id="263" r:id="rId14"/>
+    <p:sldId id="265" r:id="rId15"/>
   </p:sldIdLst>
   <p:sldSz cx="12192000" cy="6858000"/>
   <p:notesSz cx="6858000" cy="9144000"/>
@@ -125,20 +125,12 @@
 </p:presentation>
 </file>
 
-<file path=ppt/revisionInfo.xml><?xml version="1.0" encoding="utf-8"?>
-<p1510:revInfo xmlns:a="http://schemas.openxmlformats.org/drawingml/2006/main" xmlns:r="http://schemas.openxmlformats.org/officeDocument/2006/relationships" xmlns:p1510="http://schemas.microsoft.com/office/powerpoint/2015/10/main">
-  <p1510:revLst>
-    <p1510:client id="{78EC2BCC-6AC7-46C3-BC3D-FCB3AD52618F}" v="44" dt="2025-12-14T20:55:15.180"/>
-  </p1510:revLst>
-</p1510:revInfo>
-</file>
-
 <file path=ppt/changesInfos/changesInfo1.xml><?xml version="1.0" encoding="utf-8"?>
 <pc:chgInfo xmlns:a="http://schemas.openxmlformats.org/drawingml/2006/main" xmlns:r="http://schemas.openxmlformats.org/officeDocument/2006/relationships" xmlns:ac="http://schemas.microsoft.com/office/drawing/2013/main/command" xmlns:pc="http://schemas.microsoft.com/office/powerpoint/2013/main/command">
   <pc:docChgLst>
     <pc:chgData name="Suji Amarnath" userId="9c389eb72caa7819" providerId="LiveId" clId="{A611BAEA-2766-4FC8-B18C-2C87CA869627}"/>
     <pc:docChg chg="undo custSel addSld delSld modSld sldOrd">
-      <pc:chgData name="Suji Amarnath" userId="9c389eb72caa7819" providerId="LiveId" clId="{A611BAEA-2766-4FC8-B18C-2C87CA869627}" dt="2025-12-14T20:55:40.341" v="2806"/>
+      <pc:chgData name="Suji Amarnath" userId="9c389eb72caa7819" providerId="LiveId" clId="{A611BAEA-2766-4FC8-B18C-2C87CA869627}" dt="2025-12-17T06:49:21.813" v="3027" actId="113"/>
       <pc:docMkLst>
         <pc:docMk/>
       </pc:docMkLst>
@@ -232,14 +224,14 @@
           </ac:spMkLst>
         </pc:spChg>
       </pc:sldChg>
-      <pc:sldChg chg="modSp add mod">
-        <pc:chgData name="Suji Amarnath" userId="9c389eb72caa7819" providerId="LiveId" clId="{A611BAEA-2766-4FC8-B18C-2C87CA869627}" dt="2025-12-12T21:17:04.640" v="1223" actId="20577"/>
+      <pc:sldChg chg="modSp add mod ord">
+        <pc:chgData name="Suji Amarnath" userId="9c389eb72caa7819" providerId="LiveId" clId="{A611BAEA-2766-4FC8-B18C-2C87CA869627}" dt="2025-12-17T06:49:21.813" v="3027" actId="113"/>
         <pc:sldMkLst>
           <pc:docMk/>
           <pc:sldMk cId="928237137" sldId="266"/>
         </pc:sldMkLst>
         <pc:spChg chg="mod">
-          <ac:chgData name="Suji Amarnath" userId="9c389eb72caa7819" providerId="LiveId" clId="{A611BAEA-2766-4FC8-B18C-2C87CA869627}" dt="2025-12-12T21:17:04.640" v="1223" actId="20577"/>
+          <ac:chgData name="Suji Amarnath" userId="9c389eb72caa7819" providerId="LiveId" clId="{A611BAEA-2766-4FC8-B18C-2C87CA869627}" dt="2025-12-17T06:49:21.813" v="3027" actId="113"/>
           <ac:spMkLst>
             <pc:docMk/>
             <pc:sldMk cId="928237137" sldId="266"/>
@@ -247,8 +239,8 @@
           </ac:spMkLst>
         </pc:spChg>
       </pc:sldChg>
-      <pc:sldChg chg="modSp add mod">
-        <pc:chgData name="Suji Amarnath" userId="9c389eb72caa7819" providerId="LiveId" clId="{A611BAEA-2766-4FC8-B18C-2C87CA869627}" dt="2025-12-14T13:10:03.728" v="2064" actId="255"/>
+      <pc:sldChg chg="modSp add mod ord">
+        <pc:chgData name="Suji Amarnath" userId="9c389eb72caa7819" providerId="LiveId" clId="{A611BAEA-2766-4FC8-B18C-2C87CA869627}" dt="2025-12-16T20:37:53.232" v="2933"/>
         <pc:sldMkLst>
           <pc:docMk/>
           <pc:sldMk cId="1245616038" sldId="267"/>
@@ -262,8 +254,8 @@
           </ac:spMkLst>
         </pc:spChg>
       </pc:sldChg>
-      <pc:sldChg chg="modSp add mod">
-        <pc:chgData name="Suji Amarnath" userId="9c389eb72caa7819" providerId="LiveId" clId="{A611BAEA-2766-4FC8-B18C-2C87CA869627}" dt="2025-12-14T13:18:53.429" v="2644" actId="20577"/>
+      <pc:sldChg chg="modSp add mod ord">
+        <pc:chgData name="Suji Amarnath" userId="9c389eb72caa7819" providerId="LiveId" clId="{A611BAEA-2766-4FC8-B18C-2C87CA869627}" dt="2025-12-16T20:37:53.232" v="2933"/>
         <pc:sldMkLst>
           <pc:docMk/>
           <pc:sldMk cId="1083190203" sldId="268"/>
@@ -299,6 +291,21 @@
             <ac:picMk id="4" creationId="{7E87DB21-A998-B8AC-9787-9B32B08AAE87}"/>
           </ac:picMkLst>
         </pc:picChg>
+      </pc:sldChg>
+      <pc:sldChg chg="modSp mod">
+        <pc:chgData name="Suji Amarnath" userId="9c389eb72caa7819" providerId="LiveId" clId="{A611BAEA-2766-4FC8-B18C-2C87CA869627}" dt="2025-12-17T06:19:43.716" v="2987" actId="20577"/>
+        <pc:sldMkLst>
+          <pc:docMk/>
+          <pc:sldMk cId="2249253762" sldId="270"/>
+        </pc:sldMkLst>
+        <pc:spChg chg="mod">
+          <ac:chgData name="Suji Amarnath" userId="9c389eb72caa7819" providerId="LiveId" clId="{A611BAEA-2766-4FC8-B18C-2C87CA869627}" dt="2025-12-17T06:19:43.716" v="2987" actId="20577"/>
+          <ac:spMkLst>
+            <pc:docMk/>
+            <pc:sldMk cId="2249253762" sldId="270"/>
+            <ac:spMk id="2" creationId="{F4FCCC4E-53D4-3ED9-4EF4-B07951E6FCB7}"/>
+          </ac:spMkLst>
+        </pc:spChg>
       </pc:sldChg>
     </pc:docChg>
   </pc:docChgLst>
@@ -454,7 +461,7 @@
           <a:p>
             <a:fld id="{B0EAA87D-EA2C-4CE2-B80A-EC753A8FF8E5}" type="datetimeFigureOut">
               <a:rPr lang="en-IN" smtClean="0"/>
-              <a:t>16-12-2025</a:t>
+              <a:t>17-12-2025</a:t>
             </a:fld>
             <a:endParaRPr lang="en-IN"/>
           </a:p>
@@ -654,7 +661,7 @@
           <a:p>
             <a:fld id="{B0EAA87D-EA2C-4CE2-B80A-EC753A8FF8E5}" type="datetimeFigureOut">
               <a:rPr lang="en-IN" smtClean="0"/>
-              <a:t>16-12-2025</a:t>
+              <a:t>17-12-2025</a:t>
             </a:fld>
             <a:endParaRPr lang="en-IN"/>
           </a:p>
@@ -864,7 +871,7 @@
           <a:p>
             <a:fld id="{B0EAA87D-EA2C-4CE2-B80A-EC753A8FF8E5}" type="datetimeFigureOut">
               <a:rPr lang="en-IN" smtClean="0"/>
-              <a:t>16-12-2025</a:t>
+              <a:t>17-12-2025</a:t>
             </a:fld>
             <a:endParaRPr lang="en-IN"/>
           </a:p>
@@ -1064,7 +1071,7 @@
           <a:p>
             <a:fld id="{B0EAA87D-EA2C-4CE2-B80A-EC753A8FF8E5}" type="datetimeFigureOut">
               <a:rPr lang="en-IN" smtClean="0"/>
-              <a:t>16-12-2025</a:t>
+              <a:t>17-12-2025</a:t>
             </a:fld>
             <a:endParaRPr lang="en-IN"/>
           </a:p>
@@ -1340,7 +1347,7 @@
           <a:p>
             <a:fld id="{B0EAA87D-EA2C-4CE2-B80A-EC753A8FF8E5}" type="datetimeFigureOut">
               <a:rPr lang="en-IN" smtClean="0"/>
-              <a:t>16-12-2025</a:t>
+              <a:t>17-12-2025</a:t>
             </a:fld>
             <a:endParaRPr lang="en-IN"/>
           </a:p>
@@ -1608,7 +1615,7 @@
           <a:p>
             <a:fld id="{B0EAA87D-EA2C-4CE2-B80A-EC753A8FF8E5}" type="datetimeFigureOut">
               <a:rPr lang="en-IN" smtClean="0"/>
-              <a:t>16-12-2025</a:t>
+              <a:t>17-12-2025</a:t>
             </a:fld>
             <a:endParaRPr lang="en-IN"/>
           </a:p>
@@ -2023,7 +2030,7 @@
           <a:p>
             <a:fld id="{B0EAA87D-EA2C-4CE2-B80A-EC753A8FF8E5}" type="datetimeFigureOut">
               <a:rPr lang="en-IN" smtClean="0"/>
-              <a:t>16-12-2025</a:t>
+              <a:t>17-12-2025</a:t>
             </a:fld>
             <a:endParaRPr lang="en-IN"/>
           </a:p>
@@ -2165,7 +2172,7 @@
           <a:p>
             <a:fld id="{B0EAA87D-EA2C-4CE2-B80A-EC753A8FF8E5}" type="datetimeFigureOut">
               <a:rPr lang="en-IN" smtClean="0"/>
-              <a:t>16-12-2025</a:t>
+              <a:t>17-12-2025</a:t>
             </a:fld>
             <a:endParaRPr lang="en-IN"/>
           </a:p>
@@ -2278,7 +2285,7 @@
           <a:p>
             <a:fld id="{B0EAA87D-EA2C-4CE2-B80A-EC753A8FF8E5}" type="datetimeFigureOut">
               <a:rPr lang="en-IN" smtClean="0"/>
-              <a:t>16-12-2025</a:t>
+              <a:t>17-12-2025</a:t>
             </a:fld>
             <a:endParaRPr lang="en-IN"/>
           </a:p>
@@ -2591,7 +2598,7 @@
           <a:p>
             <a:fld id="{B0EAA87D-EA2C-4CE2-B80A-EC753A8FF8E5}" type="datetimeFigureOut">
               <a:rPr lang="en-IN" smtClean="0"/>
-              <a:t>16-12-2025</a:t>
+              <a:t>17-12-2025</a:t>
             </a:fld>
             <a:endParaRPr lang="en-IN"/>
           </a:p>
@@ -2880,7 +2887,7 @@
           <a:p>
             <a:fld id="{B0EAA87D-EA2C-4CE2-B80A-EC753A8FF8E5}" type="datetimeFigureOut">
               <a:rPr lang="en-IN" smtClean="0"/>
-              <a:t>16-12-2025</a:t>
+              <a:t>17-12-2025</a:t>
             </a:fld>
             <a:endParaRPr lang="en-IN"/>
           </a:p>
@@ -3123,7 +3130,7 @@
           <a:p>
             <a:fld id="{B0EAA87D-EA2C-4CE2-B80A-EC753A8FF8E5}" type="datetimeFigureOut">
               <a:rPr lang="en-IN" smtClean="0"/>
-              <a:t>16-12-2025</a:t>
+              <a:t>17-12-2025</a:t>
             </a:fld>
             <a:endParaRPr lang="en-IN"/>
           </a:p>
@@ -3739,6 +3746,255 @@
         <p:cNvPr id="1" name="">
           <a:extLst>
             <a:ext uri="{FF2B5EF4-FFF2-40B4-BE49-F238E27FC236}">
+              <a16:creationId xmlns:a16="http://schemas.microsoft.com/office/drawing/2014/main" id="{394A4511-6F4D-B34D-3755-6D67F30A7623}"/>
+            </a:ext>
+          </a:extLst>
+        </p:cNvPr>
+        <p:cNvGrpSpPr/>
+        <p:nvPr/>
+      </p:nvGrpSpPr>
+      <p:grpSpPr>
+        <a:xfrm>
+          <a:off x="0" y="0"/>
+          <a:ext cx="0" cy="0"/>
+          <a:chOff x="0" y="0"/>
+          <a:chExt cx="0" cy="0"/>
+        </a:xfrm>
+      </p:grpSpPr>
+      <p:pic>
+        <p:nvPicPr>
+          <p:cNvPr id="2050" name="Picture 2" descr="How to Fix an SSL Certificate Error? | Blog | Stablepoint">
+            <a:extLst>
+              <a:ext uri="{FF2B5EF4-FFF2-40B4-BE49-F238E27FC236}">
+                <a16:creationId xmlns:a16="http://schemas.microsoft.com/office/drawing/2014/main" id="{E74506C5-11EA-CDBA-00FF-3E6194CBE779}"/>
+              </a:ext>
+            </a:extLst>
+          </p:cNvPr>
+          <p:cNvPicPr>
+            <a:picLocks noChangeAspect="1" noChangeArrowheads="1"/>
+          </p:cNvPicPr>
+          <p:nvPr/>
+        </p:nvPicPr>
+        <p:blipFill>
+          <a:blip r:embed="rId2">
+            <a:extLst>
+              <a:ext uri="{28A0092B-C50C-407E-A947-70E740481C1C}">
+                <a14:useLocalDpi xmlns:a14="http://schemas.microsoft.com/office/drawing/2010/main" val="0"/>
+              </a:ext>
+            </a:extLst>
+          </a:blip>
+          <a:srcRect/>
+          <a:stretch>
+            <a:fillRect/>
+          </a:stretch>
+        </p:blipFill>
+        <p:spPr bwMode="auto">
+          <a:xfrm>
+            <a:off x="830167" y="506082"/>
+            <a:ext cx="10855750" cy="5664679"/>
+          </a:xfrm>
+          <a:prstGeom prst="rect">
+            <a:avLst/>
+          </a:prstGeom>
+          <a:noFill/>
+          <a:extLst>
+            <a:ext uri="{909E8E84-426E-40DD-AFC4-6F175D3DCCD1}">
+              <a14:hiddenFill xmlns:a14="http://schemas.microsoft.com/office/drawing/2010/main">
+                <a:solidFill>
+                  <a:srgbClr val="FFFFFF"/>
+                </a:solidFill>
+              </a14:hiddenFill>
+            </a:ext>
+          </a:extLst>
+        </p:spPr>
+      </p:pic>
+    </p:spTree>
+    <p:extLst>
+      <p:ext uri="{BB962C8B-B14F-4D97-AF65-F5344CB8AC3E}">
+        <p14:creationId xmlns:p14="http://schemas.microsoft.com/office/powerpoint/2010/main" val="4170458391"/>
+      </p:ext>
+    </p:extLst>
+  </p:cSld>
+  <p:clrMapOvr>
+    <a:masterClrMapping/>
+  </p:clrMapOvr>
+</p:sld>
+</file>
+
+<file path=ppt/slides/slide11.xml><?xml version="1.0" encoding="utf-8"?>
+<p:sld xmlns:a="http://schemas.openxmlformats.org/drawingml/2006/main" xmlns:r="http://schemas.openxmlformats.org/officeDocument/2006/relationships" xmlns:p="http://schemas.openxmlformats.org/presentationml/2006/main">
+  <p:cSld>
+    <p:spTree>
+      <p:nvGrpSpPr>
+        <p:cNvPr id="1" name="">
+          <a:extLst>
+            <a:ext uri="{FF2B5EF4-FFF2-40B4-BE49-F238E27FC236}">
+              <a16:creationId xmlns:a16="http://schemas.microsoft.com/office/drawing/2014/main" id="{7680740E-91C3-7C43-FA21-6E56ED1060F2}"/>
+            </a:ext>
+          </a:extLst>
+        </p:cNvPr>
+        <p:cNvGrpSpPr/>
+        <p:nvPr/>
+      </p:nvGrpSpPr>
+      <p:grpSpPr>
+        <a:xfrm>
+          <a:off x="0" y="0"/>
+          <a:ext cx="0" cy="0"/>
+          <a:chOff x="0" y="0"/>
+          <a:chExt cx="0" cy="0"/>
+        </a:xfrm>
+      </p:grpSpPr>
+      <p:pic>
+        <p:nvPicPr>
+          <p:cNvPr id="2052" name="Picture 4" descr="Resolver el error Tu conexión no es privada - 10Web">
+            <a:extLst>
+              <a:ext uri="{FF2B5EF4-FFF2-40B4-BE49-F238E27FC236}">
+                <a16:creationId xmlns:a16="http://schemas.microsoft.com/office/drawing/2014/main" id="{E87BF200-2A35-8ADD-AC4A-1D8D8D215E48}"/>
+              </a:ext>
+            </a:extLst>
+          </p:cNvPr>
+          <p:cNvPicPr>
+            <a:picLocks noChangeAspect="1" noChangeArrowheads="1"/>
+          </p:cNvPicPr>
+          <p:nvPr/>
+        </p:nvPicPr>
+        <p:blipFill>
+          <a:blip r:embed="rId2">
+            <a:extLst>
+              <a:ext uri="{28A0092B-C50C-407E-A947-70E740481C1C}">
+                <a14:useLocalDpi xmlns:a14="http://schemas.microsoft.com/office/drawing/2010/main" val="0"/>
+              </a:ext>
+            </a:extLst>
+          </a:blip>
+          <a:srcRect/>
+          <a:stretch>
+            <a:fillRect/>
+          </a:stretch>
+        </p:blipFill>
+        <p:spPr bwMode="auto">
+          <a:xfrm>
+            <a:off x="0" y="9525"/>
+            <a:ext cx="12192000" cy="6838950"/>
+          </a:xfrm>
+          <a:prstGeom prst="rect">
+            <a:avLst/>
+          </a:prstGeom>
+          <a:noFill/>
+          <a:extLst>
+            <a:ext uri="{909E8E84-426E-40DD-AFC4-6F175D3DCCD1}">
+              <a14:hiddenFill xmlns:a14="http://schemas.microsoft.com/office/drawing/2010/main">
+                <a:solidFill>
+                  <a:srgbClr val="FFFFFF"/>
+                </a:solidFill>
+              </a14:hiddenFill>
+            </a:ext>
+          </a:extLst>
+        </p:spPr>
+      </p:pic>
+    </p:spTree>
+    <p:extLst>
+      <p:ext uri="{BB962C8B-B14F-4D97-AF65-F5344CB8AC3E}">
+        <p14:creationId xmlns:p14="http://schemas.microsoft.com/office/powerpoint/2010/main" val="2672595134"/>
+      </p:ext>
+    </p:extLst>
+  </p:cSld>
+  <p:clrMapOvr>
+    <a:masterClrMapping/>
+  </p:clrMapOvr>
+</p:sld>
+</file>
+
+<file path=ppt/slides/slide12.xml><?xml version="1.0" encoding="utf-8"?>
+<p:sld xmlns:a="http://schemas.openxmlformats.org/drawingml/2006/main" xmlns:r="http://schemas.openxmlformats.org/officeDocument/2006/relationships" xmlns:p="http://schemas.openxmlformats.org/presentationml/2006/main">
+  <p:cSld>
+    <p:spTree>
+      <p:nvGrpSpPr>
+        <p:cNvPr id="1" name="">
+          <a:extLst>
+            <a:ext uri="{FF2B5EF4-FFF2-40B4-BE49-F238E27FC236}">
+              <a16:creationId xmlns:a16="http://schemas.microsoft.com/office/drawing/2014/main" id="{51703711-0FFB-BFA5-0A3A-7E76B3D1AB38}"/>
+            </a:ext>
+          </a:extLst>
+        </p:cNvPr>
+        <p:cNvGrpSpPr/>
+        <p:nvPr/>
+      </p:nvGrpSpPr>
+      <p:grpSpPr>
+        <a:xfrm>
+          <a:off x="0" y="0"/>
+          <a:ext cx="0" cy="0"/>
+          <a:chOff x="0" y="0"/>
+          <a:chExt cx="0" cy="0"/>
+        </a:xfrm>
+      </p:grpSpPr>
+      <p:pic>
+        <p:nvPicPr>
+          <p:cNvPr id="4098" name="Picture 2" descr="9 Ways to Fix Safari This Connection is Not Private – TechCult">
+            <a:extLst>
+              <a:ext uri="{FF2B5EF4-FFF2-40B4-BE49-F238E27FC236}">
+                <a16:creationId xmlns:a16="http://schemas.microsoft.com/office/drawing/2014/main" id="{D590241B-DAA0-4AD6-CF0D-8BA55C774339}"/>
+              </a:ext>
+            </a:extLst>
+          </p:cNvPr>
+          <p:cNvPicPr>
+            <a:picLocks noChangeAspect="1" noChangeArrowheads="1"/>
+          </p:cNvPicPr>
+          <p:nvPr/>
+        </p:nvPicPr>
+        <p:blipFill>
+          <a:blip r:embed="rId2">
+            <a:extLst>
+              <a:ext uri="{28A0092B-C50C-407E-A947-70E740481C1C}">
+                <a14:useLocalDpi xmlns:a14="http://schemas.microsoft.com/office/drawing/2010/main" val="0"/>
+              </a:ext>
+            </a:extLst>
+          </a:blip>
+          <a:srcRect/>
+          <a:stretch>
+            <a:fillRect/>
+          </a:stretch>
+        </p:blipFill>
+        <p:spPr bwMode="auto">
+          <a:xfrm>
+            <a:off x="724619" y="1143000"/>
+            <a:ext cx="9299275" cy="4572000"/>
+          </a:xfrm>
+          <a:prstGeom prst="rect">
+            <a:avLst/>
+          </a:prstGeom>
+          <a:noFill/>
+          <a:extLst>
+            <a:ext uri="{909E8E84-426E-40DD-AFC4-6F175D3DCCD1}">
+              <a14:hiddenFill xmlns:a14="http://schemas.microsoft.com/office/drawing/2010/main">
+                <a:solidFill>
+                  <a:srgbClr val="FFFFFF"/>
+                </a:solidFill>
+              </a14:hiddenFill>
+            </a:ext>
+          </a:extLst>
+        </p:spPr>
+      </p:pic>
+    </p:spTree>
+    <p:extLst>
+      <p:ext uri="{BB962C8B-B14F-4D97-AF65-F5344CB8AC3E}">
+        <p14:creationId xmlns:p14="http://schemas.microsoft.com/office/powerpoint/2010/main" val="2256868922"/>
+      </p:ext>
+    </p:extLst>
+  </p:cSld>
+  <p:clrMapOvr>
+    <a:masterClrMapping/>
+  </p:clrMapOvr>
+</p:sld>
+</file>
+
+<file path=ppt/slides/slide13.xml><?xml version="1.0" encoding="utf-8"?>
+<p:sld xmlns:a="http://schemas.openxmlformats.org/drawingml/2006/main" xmlns:r="http://schemas.openxmlformats.org/officeDocument/2006/relationships" xmlns:p="http://schemas.openxmlformats.org/presentationml/2006/main">
+  <p:cSld>
+    <p:spTree>
+      <p:nvGrpSpPr>
+        <p:cNvPr id="1" name="">
+          <a:extLst>
+            <a:ext uri="{FF2B5EF4-FFF2-40B4-BE49-F238E27FC236}">
               <a16:creationId xmlns:a16="http://schemas.microsoft.com/office/drawing/2014/main" id="{5FDF30F8-906D-6FAD-68B6-0F4579CAB884}"/>
             </a:ext>
           </a:extLst>
@@ -3797,7 +4053,7 @@
 </p:sld>
 </file>
 
-<file path=ppt/slides/slide11.xml><?xml version="1.0" encoding="utf-8"?>
+<file path=ppt/slides/slide14.xml><?xml version="1.0" encoding="utf-8"?>
 <p:sld xmlns:a="http://schemas.openxmlformats.org/drawingml/2006/main" xmlns:r="http://schemas.openxmlformats.org/officeDocument/2006/relationships" xmlns:p="http://schemas.openxmlformats.org/presentationml/2006/main">
   <p:cSld>
     <p:spTree>
@@ -3926,1079 +4182,6 @@
     <p:extLst>
       <p:ext uri="{BB962C8B-B14F-4D97-AF65-F5344CB8AC3E}">
         <p14:creationId xmlns:p14="http://schemas.microsoft.com/office/powerpoint/2010/main" val="879163336"/>
-      </p:ext>
-    </p:extLst>
-  </p:cSld>
-  <p:clrMapOvr>
-    <a:masterClrMapping/>
-  </p:clrMapOvr>
-</p:sld>
-</file>
-
-<file path=ppt/slides/slide12.xml><?xml version="1.0" encoding="utf-8"?>
-<p:sld xmlns:a="http://schemas.openxmlformats.org/drawingml/2006/main" xmlns:r="http://schemas.openxmlformats.org/officeDocument/2006/relationships" xmlns:p="http://schemas.openxmlformats.org/presentationml/2006/main">
-  <p:cSld>
-    <p:spTree>
-      <p:nvGrpSpPr>
-        <p:cNvPr id="1" name="">
-          <a:extLst>
-            <a:ext uri="{FF2B5EF4-FFF2-40B4-BE49-F238E27FC236}">
-              <a16:creationId xmlns:a16="http://schemas.microsoft.com/office/drawing/2014/main" id="{15BD69B9-2A1E-5D4F-7F06-D91BBA1DCC20}"/>
-            </a:ext>
-          </a:extLst>
-        </p:cNvPr>
-        <p:cNvGrpSpPr/>
-        <p:nvPr/>
-      </p:nvGrpSpPr>
-      <p:grpSpPr>
-        <a:xfrm>
-          <a:off x="0" y="0"/>
-          <a:ext cx="0" cy="0"/>
-          <a:chOff x="0" y="0"/>
-          <a:chExt cx="0" cy="0"/>
-        </a:xfrm>
-      </p:grpSpPr>
-      <p:sp>
-        <p:nvSpPr>
-          <p:cNvPr id="2" name="TextBox 1">
-            <a:extLst>
-              <a:ext uri="{FF2B5EF4-FFF2-40B4-BE49-F238E27FC236}">
-                <a16:creationId xmlns:a16="http://schemas.microsoft.com/office/drawing/2014/main" id="{ED39C0FC-F356-FBA2-B798-B23B89844F1D}"/>
-              </a:ext>
-            </a:extLst>
-          </p:cNvPr>
-          <p:cNvSpPr txBox="1"/>
-          <p:nvPr/>
-        </p:nvSpPr>
-        <p:spPr>
-          <a:xfrm>
-            <a:off x="810883" y="488830"/>
-            <a:ext cx="10742762" cy="4801314"/>
-          </a:xfrm>
-          <a:prstGeom prst="rect">
-            <a:avLst/>
-          </a:prstGeom>
-          <a:noFill/>
-        </p:spPr>
-        <p:txBody>
-          <a:bodyPr wrap="square" rtlCol="0">
-            <a:spAutoFit/>
-          </a:bodyPr>
-          <a:lstStyle/>
-          <a:p>
-            <a:r>
-              <a:rPr lang="en-IN" b="1" dirty="0"/>
-              <a:t>Enhancement of Script:</a:t>
-            </a:r>
-          </a:p>
-          <a:p>
-            <a:pPr marL="342900" indent="-342900">
-              <a:buFont typeface="+mj-lt"/>
-              <a:buAutoNum type="arabicPeriod"/>
-            </a:pPr>
-            <a:r>
-              <a:rPr lang="en-IN" dirty="0"/>
-              <a:t>Take a back up copy</a:t>
-            </a:r>
-          </a:p>
-          <a:p>
-            <a:pPr marL="342900" indent="-342900">
-              <a:buFont typeface="+mj-lt"/>
-              <a:buAutoNum type="arabicPeriod"/>
-            </a:pPr>
-            <a:r>
-              <a:rPr lang="en-IN" dirty="0"/>
-              <a:t>Remove irrelevant URLS and Embedded resources</a:t>
-            </a:r>
-          </a:p>
-          <a:p>
-            <a:pPr marL="342900" indent="-342900">
-              <a:buFont typeface="+mj-lt"/>
-              <a:buAutoNum type="arabicPeriod"/>
-            </a:pPr>
-            <a:r>
-              <a:rPr lang="en-IN" dirty="0"/>
-              <a:t>If any misplaced/misarranged requests are found, arrange /put them in their respective transaction controller.</a:t>
-            </a:r>
-          </a:p>
-          <a:p>
-            <a:pPr marL="342900" indent="-342900">
-              <a:buFont typeface="+mj-lt"/>
-              <a:buAutoNum type="arabicPeriod"/>
-            </a:pPr>
-            <a:r>
-              <a:rPr lang="en-IN" dirty="0"/>
-              <a:t>Add numbers sequentially to all requests for transactions.</a:t>
-            </a:r>
-          </a:p>
-          <a:p>
-            <a:pPr marL="342900" indent="-342900">
-              <a:buFont typeface="+mj-lt"/>
-              <a:buAutoNum type="arabicPeriod"/>
-            </a:pPr>
-            <a:r>
-              <a:rPr lang="en-IN" dirty="0"/>
-              <a:t>Put check mark in Generate Parent sample option for each controller</a:t>
-            </a:r>
-          </a:p>
-          <a:p>
-            <a:pPr marL="342900" indent="-342900">
-              <a:buFont typeface="+mj-lt"/>
-              <a:buAutoNum type="arabicPeriod"/>
-            </a:pPr>
-            <a:r>
-              <a:rPr lang="en-IN" dirty="0"/>
-              <a:t>Add HTTP Request defaulter at Test plan level</a:t>
-            </a:r>
-          </a:p>
-          <a:p>
-            <a:pPr marL="342900" indent="-342900">
-              <a:buFont typeface="+mj-lt"/>
-              <a:buAutoNum type="arabicPeriod"/>
-            </a:pPr>
-            <a:r>
-              <a:rPr lang="en-IN" dirty="0"/>
-              <a:t>Add HTTP cookie manager and Cache manager inside thread group and put check mark in “Clear Cookies Each Iteration” </a:t>
-            </a:r>
-          </a:p>
-          <a:p>
-            <a:pPr marL="342900" indent="-342900">
-              <a:buFont typeface="+mj-lt"/>
-              <a:buAutoNum type="arabicPeriod"/>
-            </a:pPr>
-            <a:r>
-              <a:rPr lang="en-IN" dirty="0"/>
-              <a:t>Find the Dynamic Values and do the Co Relation and parameterization.</a:t>
-            </a:r>
-          </a:p>
-          <a:p>
-            <a:pPr marL="342900" indent="-342900">
-              <a:buFont typeface="+mj-lt"/>
-              <a:buAutoNum type="arabicPeriod"/>
-            </a:pPr>
-            <a:r>
-              <a:rPr lang="en-IN" dirty="0"/>
-              <a:t>Use Response assertions</a:t>
-            </a:r>
-          </a:p>
-          <a:p>
-            <a:pPr marL="342900" indent="-342900">
-              <a:buFont typeface="+mj-lt"/>
-              <a:buAutoNum type="arabicPeriod"/>
-            </a:pPr>
-            <a:r>
-              <a:rPr lang="en-IN" dirty="0"/>
-              <a:t>Add the timers (Think Time)</a:t>
-            </a:r>
-          </a:p>
-          <a:p>
-            <a:pPr marL="342900" indent="-342900">
-              <a:buFont typeface="+mj-lt"/>
-              <a:buAutoNum type="arabicPeriod"/>
-            </a:pPr>
-            <a:r>
-              <a:rPr lang="en-IN" dirty="0"/>
-              <a:t>Apply Error handling if required</a:t>
-            </a:r>
-          </a:p>
-          <a:p>
-            <a:pPr marL="342900" indent="-342900">
-              <a:buFont typeface="+mj-lt"/>
-              <a:buAutoNum type="arabicPeriod"/>
-            </a:pPr>
-            <a:r>
-              <a:rPr lang="en-IN" dirty="0"/>
-              <a:t>Test script stabilization.</a:t>
-            </a:r>
-          </a:p>
-          <a:p>
-            <a:pPr marL="342900" indent="-342900">
-              <a:buFont typeface="+mj-lt"/>
-              <a:buAutoNum type="arabicPeriod"/>
-            </a:pPr>
-            <a:endParaRPr lang="en-IN" dirty="0"/>
-          </a:p>
-          <a:p>
-            <a:pPr marL="342900" indent="-342900">
-              <a:buFont typeface="+mj-lt"/>
-              <a:buAutoNum type="arabicPeriod"/>
-            </a:pPr>
-            <a:endParaRPr lang="en-IN" dirty="0"/>
-          </a:p>
-        </p:txBody>
-      </p:sp>
-    </p:spTree>
-    <p:extLst>
-      <p:ext uri="{BB962C8B-B14F-4D97-AF65-F5344CB8AC3E}">
-        <p14:creationId xmlns:p14="http://schemas.microsoft.com/office/powerpoint/2010/main" val="928237137"/>
-      </p:ext>
-    </p:extLst>
-  </p:cSld>
-  <p:clrMapOvr>
-    <a:masterClrMapping/>
-  </p:clrMapOvr>
-</p:sld>
-</file>
-
-<file path=ppt/slides/slide13.xml><?xml version="1.0" encoding="utf-8"?>
-<p:sld xmlns:a="http://schemas.openxmlformats.org/drawingml/2006/main" xmlns:r="http://schemas.openxmlformats.org/officeDocument/2006/relationships" xmlns:p="http://schemas.openxmlformats.org/presentationml/2006/main">
-  <p:cSld>
-    <p:spTree>
-      <p:nvGrpSpPr>
-        <p:cNvPr id="1" name="">
-          <a:extLst>
-            <a:ext uri="{FF2B5EF4-FFF2-40B4-BE49-F238E27FC236}">
-              <a16:creationId xmlns:a16="http://schemas.microsoft.com/office/drawing/2014/main" id="{34A056DD-0ADD-E839-FDA5-232BFA0EC791}"/>
-            </a:ext>
-          </a:extLst>
-        </p:cNvPr>
-        <p:cNvGrpSpPr/>
-        <p:nvPr/>
-      </p:nvGrpSpPr>
-      <p:grpSpPr>
-        <a:xfrm>
-          <a:off x="0" y="0"/>
-          <a:ext cx="0" cy="0"/>
-          <a:chOff x="0" y="0"/>
-          <a:chExt cx="0" cy="0"/>
-        </a:xfrm>
-      </p:grpSpPr>
-      <p:sp>
-        <p:nvSpPr>
-          <p:cNvPr id="2" name="TextBox 1">
-            <a:extLst>
-              <a:ext uri="{FF2B5EF4-FFF2-40B4-BE49-F238E27FC236}">
-                <a16:creationId xmlns:a16="http://schemas.microsoft.com/office/drawing/2014/main" id="{88F78A66-8188-52D4-3A91-188E4A00EE78}"/>
-              </a:ext>
-            </a:extLst>
-          </p:cNvPr>
-          <p:cNvSpPr txBox="1"/>
-          <p:nvPr/>
-        </p:nvSpPr>
-        <p:spPr>
-          <a:xfrm>
-            <a:off x="810883" y="488830"/>
-            <a:ext cx="10742762" cy="7232749"/>
-          </a:xfrm>
-          <a:prstGeom prst="rect">
-            <a:avLst/>
-          </a:prstGeom>
-          <a:noFill/>
-        </p:spPr>
-        <p:txBody>
-          <a:bodyPr wrap="square" rtlCol="0">
-            <a:spAutoFit/>
-          </a:bodyPr>
-          <a:lstStyle/>
-          <a:p>
-            <a:r>
-              <a:rPr lang="en-IN" sz="1600" b="1" dirty="0">
-                <a:latin typeface="Calibri" panose="020F0502020204030204" pitchFamily="34" charset="0"/>
-                <a:ea typeface="Calibri" panose="020F0502020204030204" pitchFamily="34" charset="0"/>
-                <a:cs typeface="Calibri" panose="020F0502020204030204" pitchFamily="34" charset="0"/>
-              </a:rPr>
-              <a:t>Dynamic Values: </a:t>
-            </a:r>
-            <a:r>
-              <a:rPr lang="en-US" sz="1600" dirty="0">
-                <a:latin typeface="Calibri" panose="020F0502020204030204" pitchFamily="34" charset="0"/>
-                <a:ea typeface="Calibri" panose="020F0502020204030204" pitchFamily="34" charset="0"/>
-                <a:cs typeface="Calibri" panose="020F0502020204030204" pitchFamily="34" charset="0"/>
-              </a:rPr>
-              <a:t>Dynamic values are server-generated values that change every time for the same transaction and different users.</a:t>
-            </a:r>
-          </a:p>
-          <a:p>
-            <a:r>
-              <a:rPr lang="en-IN" sz="1600" b="1" dirty="0">
-                <a:latin typeface="Calibri" panose="020F0502020204030204" pitchFamily="34" charset="0"/>
-                <a:ea typeface="Calibri" panose="020F0502020204030204" pitchFamily="34" charset="0"/>
-                <a:cs typeface="Calibri" panose="020F0502020204030204" pitchFamily="34" charset="0"/>
-              </a:rPr>
-              <a:t>Co-Relation:</a:t>
-            </a:r>
-          </a:p>
-          <a:p>
-            <a:r>
-              <a:rPr lang="en-US" sz="1600" dirty="0">
-                <a:latin typeface="Calibri" panose="020F0502020204030204" pitchFamily="34" charset="0"/>
-                <a:ea typeface="Calibri" panose="020F0502020204030204" pitchFamily="34" charset="0"/>
-                <a:cs typeface="Calibri" panose="020F0502020204030204" pitchFamily="34" charset="0"/>
-              </a:rPr>
-              <a:t>Correlation is the process of capturing dynamic values from server responses and reusing them in subsequent requests.</a:t>
-            </a:r>
-          </a:p>
-          <a:p>
-            <a:r>
-              <a:rPr lang="en-IN" sz="1600" b="1" dirty="0">
-                <a:latin typeface="Calibri" panose="020F0502020204030204" pitchFamily="34" charset="0"/>
-                <a:ea typeface="Calibri" panose="020F0502020204030204" pitchFamily="34" charset="0"/>
-                <a:cs typeface="Calibri" panose="020F0502020204030204" pitchFamily="34" charset="0"/>
-              </a:rPr>
-              <a:t>Example of Conventional Dynamic Values:</a:t>
-            </a:r>
-          </a:p>
-          <a:p>
-            <a:pPr marL="742950" lvl="1" indent="-285750">
-              <a:buFont typeface="Arial" panose="020B0604020202020204" pitchFamily="34" charset="0"/>
-              <a:buChar char="•"/>
-            </a:pPr>
-            <a:r>
-              <a:rPr lang="en-US" sz="1600" dirty="0">
-                <a:latin typeface="Calibri" panose="020F0502020204030204" pitchFamily="34" charset="0"/>
-                <a:ea typeface="Calibri" panose="020F0502020204030204" pitchFamily="34" charset="0"/>
-                <a:cs typeface="Calibri" panose="020F0502020204030204" pitchFamily="34" charset="0"/>
-              </a:rPr>
-              <a:t>Session ID</a:t>
-            </a:r>
-          </a:p>
-          <a:p>
-            <a:pPr marL="742950" lvl="1" indent="-285750">
-              <a:buFont typeface="Arial" panose="020B0604020202020204" pitchFamily="34" charset="0"/>
-              <a:buChar char="•"/>
-            </a:pPr>
-            <a:r>
-              <a:rPr lang="en-US" sz="1600" dirty="0">
-                <a:latin typeface="Calibri" panose="020F0502020204030204" pitchFamily="34" charset="0"/>
-                <a:ea typeface="Calibri" panose="020F0502020204030204" pitchFamily="34" charset="0"/>
-                <a:cs typeface="Calibri" panose="020F0502020204030204" pitchFamily="34" charset="0"/>
-              </a:rPr>
-              <a:t>CSRF Token</a:t>
-            </a:r>
-          </a:p>
-          <a:p>
-            <a:pPr marL="742950" lvl="1" indent="-285750">
-              <a:buFont typeface="Arial" panose="020B0604020202020204" pitchFamily="34" charset="0"/>
-              <a:buChar char="•"/>
-            </a:pPr>
-            <a:r>
-              <a:rPr lang="en-US" sz="1600" dirty="0">
-                <a:latin typeface="Calibri" panose="020F0502020204030204" pitchFamily="34" charset="0"/>
-                <a:ea typeface="Calibri" panose="020F0502020204030204" pitchFamily="34" charset="0"/>
-                <a:cs typeface="Calibri" panose="020F0502020204030204" pitchFamily="34" charset="0"/>
-              </a:rPr>
-              <a:t>Bearer Token (OAuth 2.0)</a:t>
-            </a:r>
-          </a:p>
-          <a:p>
-            <a:pPr marL="742950" lvl="1" indent="-285750">
-              <a:buFont typeface="Arial" panose="020B0604020202020204" pitchFamily="34" charset="0"/>
-              <a:buChar char="•"/>
-            </a:pPr>
-            <a:r>
-              <a:rPr lang="en-US" sz="1600" dirty="0" err="1">
-                <a:latin typeface="Calibri" panose="020F0502020204030204" pitchFamily="34" charset="0"/>
-                <a:ea typeface="Calibri" panose="020F0502020204030204" pitchFamily="34" charset="0"/>
-                <a:cs typeface="Calibri" panose="020F0502020204030204" pitchFamily="34" charset="0"/>
-              </a:rPr>
-              <a:t>ViewState</a:t>
-            </a:r>
-            <a:endParaRPr lang="en-US" sz="1600" dirty="0">
-              <a:latin typeface="Calibri" panose="020F0502020204030204" pitchFamily="34" charset="0"/>
-              <a:ea typeface="Calibri" panose="020F0502020204030204" pitchFamily="34" charset="0"/>
-              <a:cs typeface="Calibri" panose="020F0502020204030204" pitchFamily="34" charset="0"/>
-            </a:endParaRPr>
-          </a:p>
-          <a:p>
-            <a:pPr marL="742950" lvl="1" indent="-285750">
-              <a:buFont typeface="Arial" panose="020B0604020202020204" pitchFamily="34" charset="0"/>
-              <a:buChar char="•"/>
-            </a:pPr>
-            <a:r>
-              <a:rPr lang="en-US" sz="1600" dirty="0">
-                <a:latin typeface="Calibri" panose="020F0502020204030204" pitchFamily="34" charset="0"/>
-                <a:ea typeface="Calibri" panose="020F0502020204030204" pitchFamily="34" charset="0"/>
-                <a:cs typeface="Calibri" panose="020F0502020204030204" pitchFamily="34" charset="0"/>
-              </a:rPr>
-              <a:t>Nonce</a:t>
-            </a:r>
-          </a:p>
-          <a:p>
-            <a:pPr marL="742950" lvl="1" indent="-285750">
-              <a:buFont typeface="Arial" panose="020B0604020202020204" pitchFamily="34" charset="0"/>
-              <a:buChar char="•"/>
-            </a:pPr>
-            <a:r>
-              <a:rPr lang="en-US" sz="1600">
-                <a:latin typeface="Calibri" panose="020F0502020204030204" pitchFamily="34" charset="0"/>
-                <a:ea typeface="Calibri" panose="020F0502020204030204" pitchFamily="34" charset="0"/>
-                <a:cs typeface="Calibri" panose="020F0502020204030204" pitchFamily="34" charset="0"/>
-              </a:rPr>
-              <a:t>SAML Value</a:t>
-            </a:r>
-            <a:endParaRPr lang="en-US" sz="1600" dirty="0">
-              <a:latin typeface="Calibri" panose="020F0502020204030204" pitchFamily="34" charset="0"/>
-              <a:ea typeface="Calibri" panose="020F0502020204030204" pitchFamily="34" charset="0"/>
-              <a:cs typeface="Calibri" panose="020F0502020204030204" pitchFamily="34" charset="0"/>
-            </a:endParaRPr>
-          </a:p>
-          <a:p>
-            <a:r>
-              <a:rPr lang="en-US" sz="1600" b="1" dirty="0">
-                <a:latin typeface="Calibri" panose="020F0502020204030204" pitchFamily="34" charset="0"/>
-                <a:ea typeface="Calibri" panose="020F0502020204030204" pitchFamily="34" charset="0"/>
-                <a:cs typeface="Calibri" panose="020F0502020204030204" pitchFamily="34" charset="0"/>
-              </a:rPr>
-              <a:t>Examples of Business / Non-Conventional Dynamic Values</a:t>
-            </a:r>
-          </a:p>
-          <a:p>
-            <a:pPr marL="742950" lvl="1" indent="-285750">
-              <a:buFont typeface="Arial" panose="020B0604020202020204" pitchFamily="34" charset="0"/>
-              <a:buChar char="•"/>
-            </a:pPr>
-            <a:r>
-              <a:rPr lang="en-US" sz="1600" dirty="0">
-                <a:latin typeface="Calibri" panose="020F0502020204030204" pitchFamily="34" charset="0"/>
-                <a:ea typeface="Calibri" panose="020F0502020204030204" pitchFamily="34" charset="0"/>
-                <a:cs typeface="Calibri" panose="020F0502020204030204" pitchFamily="34" charset="0"/>
-              </a:rPr>
-              <a:t>Customer ID</a:t>
-            </a:r>
-          </a:p>
-          <a:p>
-            <a:pPr marL="742950" lvl="1" indent="-285750">
-              <a:buFont typeface="Arial" panose="020B0604020202020204" pitchFamily="34" charset="0"/>
-              <a:buChar char="•"/>
-            </a:pPr>
-            <a:r>
-              <a:rPr lang="en-US" sz="1600" dirty="0">
-                <a:latin typeface="Calibri" panose="020F0502020204030204" pitchFamily="34" charset="0"/>
-                <a:ea typeface="Calibri" panose="020F0502020204030204" pitchFamily="34" charset="0"/>
-                <a:cs typeface="Calibri" panose="020F0502020204030204" pitchFamily="34" charset="0"/>
-              </a:rPr>
-              <a:t>Order Number</a:t>
-            </a:r>
-          </a:p>
-          <a:p>
-            <a:pPr marL="742950" lvl="1" indent="-285750">
-              <a:buFont typeface="Arial" panose="020B0604020202020204" pitchFamily="34" charset="0"/>
-              <a:buChar char="•"/>
-            </a:pPr>
-            <a:r>
-              <a:rPr lang="en-US" sz="1600" dirty="0">
-                <a:latin typeface="Calibri" panose="020F0502020204030204" pitchFamily="34" charset="0"/>
-                <a:ea typeface="Calibri" panose="020F0502020204030204" pitchFamily="34" charset="0"/>
-                <a:cs typeface="Calibri" panose="020F0502020204030204" pitchFamily="34" charset="0"/>
-              </a:rPr>
-              <a:t>Bill Number</a:t>
-            </a:r>
-          </a:p>
-          <a:p>
-            <a:pPr marL="742950" lvl="1" indent="-285750">
-              <a:buFont typeface="Arial" panose="020B0604020202020204" pitchFamily="34" charset="0"/>
-              <a:buChar char="•"/>
-            </a:pPr>
-            <a:r>
-              <a:rPr lang="en-US" sz="1600" dirty="0">
-                <a:latin typeface="Calibri" panose="020F0502020204030204" pitchFamily="34" charset="0"/>
-                <a:ea typeface="Calibri" panose="020F0502020204030204" pitchFamily="34" charset="0"/>
-                <a:cs typeface="Calibri" panose="020F0502020204030204" pitchFamily="34" charset="0"/>
-              </a:rPr>
-              <a:t>PNR Number</a:t>
-            </a:r>
-          </a:p>
-          <a:p>
-            <a:pPr marL="742950" lvl="1" indent="-285750">
-              <a:buFont typeface="Arial" panose="020B0604020202020204" pitchFamily="34" charset="0"/>
-              <a:buChar char="•"/>
-            </a:pPr>
-            <a:r>
-              <a:rPr lang="en-US" sz="1600" dirty="0">
-                <a:latin typeface="Calibri" panose="020F0502020204030204" pitchFamily="34" charset="0"/>
-                <a:ea typeface="Calibri" panose="020F0502020204030204" pitchFamily="34" charset="0"/>
-                <a:cs typeface="Calibri" panose="020F0502020204030204" pitchFamily="34" charset="0"/>
-              </a:rPr>
-              <a:t>Transaction ID</a:t>
-            </a:r>
-          </a:p>
-          <a:p>
-            <a:r>
-              <a:rPr lang="en-IN" sz="1600" b="1" dirty="0">
-                <a:latin typeface="Calibri" panose="020F0502020204030204" pitchFamily="34" charset="0"/>
-                <a:ea typeface="Calibri" panose="020F0502020204030204" pitchFamily="34" charset="0"/>
-                <a:cs typeface="Calibri" panose="020F0502020204030204" pitchFamily="34" charset="0"/>
-              </a:rPr>
-              <a:t>Other Dynamic Data</a:t>
-            </a:r>
-          </a:p>
-          <a:p>
-            <a:pPr marL="742950" lvl="1" indent="-285750">
-              <a:buFont typeface="Arial" panose="020B0604020202020204" pitchFamily="34" charset="0"/>
-              <a:buChar char="•"/>
-            </a:pPr>
-            <a:r>
-              <a:rPr lang="en-IN" sz="1600" dirty="0">
-                <a:latin typeface="Calibri" panose="020F0502020204030204" pitchFamily="34" charset="0"/>
-                <a:ea typeface="Calibri" panose="020F0502020204030204" pitchFamily="34" charset="0"/>
-                <a:cs typeface="Calibri" panose="020F0502020204030204" pitchFamily="34" charset="0"/>
-              </a:rPr>
-              <a:t>Dropdown values</a:t>
-            </a:r>
-          </a:p>
-          <a:p>
-            <a:pPr marL="742950" lvl="1" indent="-285750">
-              <a:buFont typeface="Arial" panose="020B0604020202020204" pitchFamily="34" charset="0"/>
-              <a:buChar char="•"/>
-            </a:pPr>
-            <a:r>
-              <a:rPr lang="en-IN" sz="1600" dirty="0">
-                <a:latin typeface="Calibri" panose="020F0502020204030204" pitchFamily="34" charset="0"/>
-                <a:ea typeface="Calibri" panose="020F0502020204030204" pitchFamily="34" charset="0"/>
-                <a:cs typeface="Calibri" panose="020F0502020204030204" pitchFamily="34" charset="0"/>
-              </a:rPr>
-              <a:t>Multiple selection options</a:t>
-            </a:r>
-          </a:p>
-          <a:p>
-            <a:pPr marL="742950" lvl="1" indent="-285750">
-              <a:buFont typeface="Arial" panose="020B0604020202020204" pitchFamily="34" charset="0"/>
-              <a:buChar char="•"/>
-            </a:pPr>
-            <a:r>
-              <a:rPr lang="en-IN" sz="1600" dirty="0">
-                <a:latin typeface="Calibri" panose="020F0502020204030204" pitchFamily="34" charset="0"/>
-                <a:ea typeface="Calibri" panose="020F0502020204030204" pitchFamily="34" charset="0"/>
-                <a:cs typeface="Calibri" panose="020F0502020204030204" pitchFamily="34" charset="0"/>
-              </a:rPr>
-              <a:t>Records count per page</a:t>
-            </a:r>
-          </a:p>
-          <a:p>
-            <a:r>
-              <a:rPr lang="en-US" sz="1600" b="1" dirty="0">
-                <a:latin typeface="Calibri" panose="020F0502020204030204" pitchFamily="34" charset="0"/>
-                <a:ea typeface="Calibri" panose="020F0502020204030204" pitchFamily="34" charset="0"/>
-                <a:cs typeface="Calibri" panose="020F0502020204030204" pitchFamily="34" charset="0"/>
-              </a:rPr>
-              <a:t>Dynamic value based on time:</a:t>
-            </a:r>
-          </a:p>
-          <a:p>
-            <a:pPr marL="742950" lvl="1" indent="-285750">
-              <a:buFont typeface="Arial" panose="020B0604020202020204" pitchFamily="34" charset="0"/>
-              <a:buChar char="•"/>
-            </a:pPr>
-            <a:r>
-              <a:rPr lang="en-IN" sz="1600" dirty="0">
-                <a:latin typeface="Calibri" panose="020F0502020204030204" pitchFamily="34" charset="0"/>
-                <a:ea typeface="Calibri" panose="020F0502020204030204" pitchFamily="34" charset="0"/>
-                <a:cs typeface="Calibri" panose="020F0502020204030204" pitchFamily="34" charset="0"/>
-              </a:rPr>
-              <a:t>Unix / Epoch time</a:t>
-            </a:r>
-          </a:p>
-          <a:p>
-            <a:endParaRPr lang="en-US" sz="1600" dirty="0">
-              <a:latin typeface="Calibri" panose="020F0502020204030204" pitchFamily="34" charset="0"/>
-              <a:ea typeface="Calibri" panose="020F0502020204030204" pitchFamily="34" charset="0"/>
-              <a:cs typeface="Calibri" panose="020F0502020204030204" pitchFamily="34" charset="0"/>
-            </a:endParaRPr>
-          </a:p>
-          <a:p>
-            <a:endParaRPr lang="en-US" sz="1600" b="1" dirty="0">
-              <a:latin typeface="Calibri" panose="020F0502020204030204" pitchFamily="34" charset="0"/>
-              <a:ea typeface="Calibri" panose="020F0502020204030204" pitchFamily="34" charset="0"/>
-              <a:cs typeface="Calibri" panose="020F0502020204030204" pitchFamily="34" charset="0"/>
-            </a:endParaRPr>
-          </a:p>
-          <a:p>
-            <a:endParaRPr lang="en-IN" sz="1600" b="1" dirty="0">
-              <a:latin typeface="Calibri" panose="020F0502020204030204" pitchFamily="34" charset="0"/>
-              <a:ea typeface="Calibri" panose="020F0502020204030204" pitchFamily="34" charset="0"/>
-              <a:cs typeface="Calibri" panose="020F0502020204030204" pitchFamily="34" charset="0"/>
-            </a:endParaRPr>
-          </a:p>
-          <a:p>
-            <a:endParaRPr lang="en-IN" sz="1600" b="1" dirty="0">
-              <a:latin typeface="Calibri" panose="020F0502020204030204" pitchFamily="34" charset="0"/>
-              <a:ea typeface="Calibri" panose="020F0502020204030204" pitchFamily="34" charset="0"/>
-              <a:cs typeface="Calibri" panose="020F0502020204030204" pitchFamily="34" charset="0"/>
-            </a:endParaRPr>
-          </a:p>
-          <a:p>
-            <a:pPr marL="342900" indent="-342900">
-              <a:buFont typeface="+mj-lt"/>
-              <a:buAutoNum type="arabicPeriod"/>
-            </a:pPr>
-            <a:endParaRPr lang="en-IN" sz="1600" dirty="0">
-              <a:latin typeface="Calibri" panose="020F0502020204030204" pitchFamily="34" charset="0"/>
-              <a:ea typeface="Calibri" panose="020F0502020204030204" pitchFamily="34" charset="0"/>
-              <a:cs typeface="Calibri" panose="020F0502020204030204" pitchFamily="34" charset="0"/>
-            </a:endParaRPr>
-          </a:p>
-        </p:txBody>
-      </p:sp>
-    </p:spTree>
-    <p:extLst>
-      <p:ext uri="{BB962C8B-B14F-4D97-AF65-F5344CB8AC3E}">
-        <p14:creationId xmlns:p14="http://schemas.microsoft.com/office/powerpoint/2010/main" val="1245616038"/>
-      </p:ext>
-    </p:extLst>
-  </p:cSld>
-  <p:clrMapOvr>
-    <a:masterClrMapping/>
-  </p:clrMapOvr>
-</p:sld>
-</file>
-
-<file path=ppt/slides/slide14.xml><?xml version="1.0" encoding="utf-8"?>
-<p:sld xmlns:a="http://schemas.openxmlformats.org/drawingml/2006/main" xmlns:r="http://schemas.openxmlformats.org/officeDocument/2006/relationships" xmlns:p="http://schemas.openxmlformats.org/presentationml/2006/main">
-  <p:cSld>
-    <p:spTree>
-      <p:nvGrpSpPr>
-        <p:cNvPr id="1" name="">
-          <a:extLst>
-            <a:ext uri="{FF2B5EF4-FFF2-40B4-BE49-F238E27FC236}">
-              <a16:creationId xmlns:a16="http://schemas.microsoft.com/office/drawing/2014/main" id="{B71AFBD5-00D7-55AF-8145-81A2BA86109F}"/>
-            </a:ext>
-          </a:extLst>
-        </p:cNvPr>
-        <p:cNvGrpSpPr/>
-        <p:nvPr/>
-      </p:nvGrpSpPr>
-      <p:grpSpPr>
-        <a:xfrm>
-          <a:off x="0" y="0"/>
-          <a:ext cx="0" cy="0"/>
-          <a:chOff x="0" y="0"/>
-          <a:chExt cx="0" cy="0"/>
-        </a:xfrm>
-      </p:grpSpPr>
-      <p:sp>
-        <p:nvSpPr>
-          <p:cNvPr id="2" name="TextBox 1">
-            <a:extLst>
-              <a:ext uri="{FF2B5EF4-FFF2-40B4-BE49-F238E27FC236}">
-                <a16:creationId xmlns:a16="http://schemas.microsoft.com/office/drawing/2014/main" id="{7AF0C42B-0E38-6D28-51F4-861D28413894}"/>
-              </a:ext>
-            </a:extLst>
-          </p:cNvPr>
-          <p:cNvSpPr txBox="1"/>
-          <p:nvPr/>
-        </p:nvSpPr>
-        <p:spPr>
-          <a:xfrm>
-            <a:off x="724619" y="241540"/>
-            <a:ext cx="10742762" cy="6986528"/>
-          </a:xfrm>
-          <a:prstGeom prst="rect">
-            <a:avLst/>
-          </a:prstGeom>
-          <a:noFill/>
-        </p:spPr>
-        <p:txBody>
-          <a:bodyPr wrap="square" rtlCol="0">
-            <a:spAutoFit/>
-          </a:bodyPr>
-          <a:lstStyle/>
-          <a:p>
-            <a:r>
-              <a:rPr lang="en-IN" sz="1400" b="1" dirty="0">
-                <a:latin typeface="Calibri" panose="020F0502020204030204" pitchFamily="34" charset="0"/>
-                <a:ea typeface="Calibri" panose="020F0502020204030204" pitchFamily="34" charset="0"/>
-                <a:cs typeface="Calibri" panose="020F0502020204030204" pitchFamily="34" charset="0"/>
-              </a:rPr>
-              <a:t>Where Dynamic Value will occur:</a:t>
-            </a:r>
-          </a:p>
-          <a:p>
-            <a:pPr marL="742950" lvl="1" indent="-285750">
-              <a:buFont typeface="Arial" panose="020B0604020202020204" pitchFamily="34" charset="0"/>
-              <a:buChar char="•"/>
-            </a:pPr>
-            <a:r>
-              <a:rPr lang="en-IN" sz="1400" dirty="0">
-                <a:latin typeface="Calibri" panose="020F0502020204030204" pitchFamily="34" charset="0"/>
-                <a:ea typeface="Calibri" panose="020F0502020204030204" pitchFamily="34" charset="0"/>
-                <a:cs typeface="Calibri" panose="020F0502020204030204" pitchFamily="34" charset="0"/>
-              </a:rPr>
-              <a:t>Request URL</a:t>
-            </a:r>
-          </a:p>
-          <a:p>
-            <a:pPr marL="742950" lvl="1" indent="-285750">
-              <a:buFont typeface="Arial" panose="020B0604020202020204" pitchFamily="34" charset="0"/>
-              <a:buChar char="•"/>
-            </a:pPr>
-            <a:r>
-              <a:rPr lang="en-IN" sz="1400" dirty="0">
-                <a:latin typeface="Calibri" panose="020F0502020204030204" pitchFamily="34" charset="0"/>
-                <a:ea typeface="Calibri" panose="020F0502020204030204" pitchFamily="34" charset="0"/>
-                <a:cs typeface="Calibri" panose="020F0502020204030204" pitchFamily="34" charset="0"/>
-              </a:rPr>
-              <a:t>Request Header</a:t>
-            </a:r>
-          </a:p>
-          <a:p>
-            <a:pPr marL="742950" lvl="1" indent="-285750">
-              <a:buFont typeface="Arial" panose="020B0604020202020204" pitchFamily="34" charset="0"/>
-              <a:buChar char="•"/>
-            </a:pPr>
-            <a:r>
-              <a:rPr lang="en-IN" sz="1400" dirty="0">
-                <a:latin typeface="Calibri" panose="020F0502020204030204" pitchFamily="34" charset="0"/>
-                <a:ea typeface="Calibri" panose="020F0502020204030204" pitchFamily="34" charset="0"/>
-                <a:cs typeface="Calibri" panose="020F0502020204030204" pitchFamily="34" charset="0"/>
-              </a:rPr>
-              <a:t>Request Body</a:t>
-            </a:r>
-          </a:p>
-          <a:p>
-            <a:r>
-              <a:rPr lang="en-IN" sz="1400" b="1" dirty="0">
-                <a:latin typeface="Calibri" panose="020F0502020204030204" pitchFamily="34" charset="0"/>
-                <a:ea typeface="Calibri" panose="020F0502020204030204" pitchFamily="34" charset="0"/>
-                <a:cs typeface="Calibri" panose="020F0502020204030204" pitchFamily="34" charset="0"/>
-              </a:rPr>
-              <a:t>Availability of dynamic Value:</a:t>
-            </a:r>
-          </a:p>
-          <a:p>
-            <a:pPr marL="742950" lvl="1" indent="-285750">
-              <a:buFont typeface="Arial" panose="020B0604020202020204" pitchFamily="34" charset="0"/>
-              <a:buChar char="•"/>
-            </a:pPr>
-            <a:r>
-              <a:rPr lang="en-IN" sz="1400" dirty="0">
-                <a:latin typeface="Calibri" panose="020F0502020204030204" pitchFamily="34" charset="0"/>
-                <a:ea typeface="Calibri" panose="020F0502020204030204" pitchFamily="34" charset="0"/>
-                <a:cs typeface="Calibri" panose="020F0502020204030204" pitchFamily="34" charset="0"/>
-              </a:rPr>
-              <a:t>Response Body</a:t>
-            </a:r>
-          </a:p>
-          <a:p>
-            <a:pPr marL="742950" lvl="1" indent="-285750">
-              <a:buFont typeface="Arial" panose="020B0604020202020204" pitchFamily="34" charset="0"/>
-              <a:buChar char="•"/>
-            </a:pPr>
-            <a:r>
-              <a:rPr lang="en-IN" sz="1400" dirty="0">
-                <a:latin typeface="Calibri" panose="020F0502020204030204" pitchFamily="34" charset="0"/>
-                <a:ea typeface="Calibri" panose="020F0502020204030204" pitchFamily="34" charset="0"/>
-                <a:cs typeface="Calibri" panose="020F0502020204030204" pitchFamily="34" charset="0"/>
-              </a:rPr>
-              <a:t>Response Header</a:t>
-            </a:r>
-          </a:p>
-          <a:p>
-            <a:r>
-              <a:rPr lang="en-IN" sz="1400" b="1" dirty="0">
-                <a:latin typeface="Calibri" panose="020F0502020204030204" pitchFamily="34" charset="0"/>
-                <a:ea typeface="Calibri" panose="020F0502020204030204" pitchFamily="34" charset="0"/>
-                <a:cs typeface="Calibri" panose="020F0502020204030204" pitchFamily="34" charset="0"/>
-              </a:rPr>
-              <a:t>How to identify Dynamic Values:</a:t>
-            </a:r>
-          </a:p>
-          <a:p>
-            <a:pPr marL="285750" indent="-285750">
-              <a:buFont typeface="Arial" panose="020B0604020202020204" pitchFamily="34" charset="0"/>
-              <a:buChar char="•"/>
-            </a:pPr>
-            <a:r>
-              <a:rPr lang="en-IN" sz="1400" dirty="0">
-                <a:latin typeface="Calibri" panose="020F0502020204030204" pitchFamily="34" charset="0"/>
-                <a:ea typeface="Calibri" panose="020F0502020204030204" pitchFamily="34" charset="0"/>
-                <a:cs typeface="Calibri" panose="020F0502020204030204" pitchFamily="34" charset="0"/>
-              </a:rPr>
-              <a:t>Take 2 different username and password (If you don’t have multiple users then use same user) and record the same flow 2 times by changing the user inputs as well, and compare the both scripts for changing data or values. </a:t>
-            </a:r>
-            <a:r>
-              <a:rPr lang="en-IN" sz="1400" b="1" dirty="0">
-                <a:latin typeface="Calibri" panose="020F0502020204030204" pitchFamily="34" charset="0"/>
-                <a:ea typeface="Calibri" panose="020F0502020204030204" pitchFamily="34" charset="0"/>
-                <a:cs typeface="Calibri" panose="020F0502020204030204" pitchFamily="34" charset="0"/>
-              </a:rPr>
-              <a:t> </a:t>
-            </a:r>
-            <a:endParaRPr lang="en-US" sz="1400" b="1" dirty="0">
-              <a:latin typeface="Calibri" panose="020F0502020204030204" pitchFamily="34" charset="0"/>
-              <a:ea typeface="Calibri" panose="020F0502020204030204" pitchFamily="34" charset="0"/>
-              <a:cs typeface="Calibri" panose="020F0502020204030204" pitchFamily="34" charset="0"/>
-            </a:endParaRPr>
-          </a:p>
-          <a:p>
-            <a:r>
-              <a:rPr lang="en-IN" sz="1400" b="1" dirty="0">
-                <a:latin typeface="Calibri" panose="020F0502020204030204" pitchFamily="34" charset="0"/>
-                <a:ea typeface="Calibri" panose="020F0502020204030204" pitchFamily="34" charset="0"/>
-                <a:cs typeface="Calibri" panose="020F0502020204030204" pitchFamily="34" charset="0"/>
-              </a:rPr>
-              <a:t>Correlation Steps</a:t>
-            </a:r>
-          </a:p>
-          <a:p>
-            <a:pPr marL="800100" lvl="1" indent="-342900">
-              <a:buFont typeface="Arial" panose="020B0604020202020204" pitchFamily="34" charset="0"/>
-              <a:buChar char="•"/>
-            </a:pPr>
-            <a:r>
-              <a:rPr lang="en-US" sz="1400" dirty="0">
-                <a:latin typeface="Calibri" panose="020F0502020204030204" pitchFamily="34" charset="0"/>
-                <a:ea typeface="Calibri" panose="020F0502020204030204" pitchFamily="34" charset="0"/>
-                <a:cs typeface="Calibri" panose="020F0502020204030204" pitchFamily="34" charset="0"/>
-              </a:rPr>
-              <a:t>Identify dynamic value.</a:t>
-            </a:r>
-          </a:p>
-          <a:p>
-            <a:pPr marL="742950" lvl="1" indent="-285750">
-              <a:buFont typeface="Arial" panose="020B0604020202020204" pitchFamily="34" charset="0"/>
-              <a:buChar char="•"/>
-            </a:pPr>
-            <a:r>
-              <a:rPr lang="en-US" sz="1400" dirty="0">
-                <a:latin typeface="Calibri" panose="020F0502020204030204" pitchFamily="34" charset="0"/>
-                <a:ea typeface="Calibri" panose="020F0502020204030204" pitchFamily="34" charset="0"/>
-                <a:cs typeface="Calibri" panose="020F0502020204030204" pitchFamily="34" charset="0"/>
-              </a:rPr>
-              <a:t> Write and test your pattern(Regular expression/Boundaries) and find the occurrence of the value.</a:t>
-            </a:r>
-          </a:p>
-          <a:p>
-            <a:pPr marL="742950" lvl="1" indent="-285750">
-              <a:buFont typeface="Arial" panose="020B0604020202020204" pitchFamily="34" charset="0"/>
-              <a:buChar char="•"/>
-            </a:pPr>
-            <a:r>
-              <a:rPr lang="en-US" sz="1400" dirty="0">
-                <a:latin typeface="Calibri" panose="020F0502020204030204" pitchFamily="34" charset="0"/>
-                <a:ea typeface="Calibri" panose="020F0502020204030204" pitchFamily="34" charset="0"/>
-                <a:cs typeface="Calibri" panose="020F0502020204030204" pitchFamily="34" charset="0"/>
-              </a:rPr>
-              <a:t> Capture using Post-Processor</a:t>
-            </a:r>
-          </a:p>
-          <a:p>
-            <a:pPr marL="742950" lvl="1" indent="-285750">
-              <a:buFont typeface="Arial" panose="020B0604020202020204" pitchFamily="34" charset="0"/>
-              <a:buChar char="•"/>
-            </a:pPr>
-            <a:r>
-              <a:rPr lang="en-US" sz="1400" dirty="0">
-                <a:latin typeface="Calibri" panose="020F0502020204030204" pitchFamily="34" charset="0"/>
-                <a:ea typeface="Calibri" panose="020F0502020204030204" pitchFamily="34" charset="0"/>
-                <a:cs typeface="Calibri" panose="020F0502020204030204" pitchFamily="34" charset="0"/>
-              </a:rPr>
-              <a:t> Store in variable</a:t>
-            </a:r>
-          </a:p>
-          <a:p>
-            <a:pPr marL="742950" lvl="1" indent="-285750">
-              <a:buFont typeface="Arial" panose="020B0604020202020204" pitchFamily="34" charset="0"/>
-              <a:buChar char="•"/>
-            </a:pPr>
-            <a:r>
-              <a:rPr lang="en-US" sz="1400" dirty="0">
-                <a:latin typeface="Calibri" panose="020F0502020204030204" pitchFamily="34" charset="0"/>
-                <a:ea typeface="Calibri" panose="020F0502020204030204" pitchFamily="34" charset="0"/>
-                <a:cs typeface="Calibri" panose="020F0502020204030204" pitchFamily="34" charset="0"/>
-              </a:rPr>
-              <a:t> Use variable (</a:t>
-            </a:r>
-            <a:r>
-              <a:rPr lang="en-US" sz="1400" dirty="0" err="1">
-                <a:latin typeface="Calibri" panose="020F0502020204030204" pitchFamily="34" charset="0"/>
-                <a:ea typeface="Calibri" panose="020F0502020204030204" pitchFamily="34" charset="0"/>
-                <a:cs typeface="Calibri" panose="020F0502020204030204" pitchFamily="34" charset="0"/>
-              </a:rPr>
-              <a:t>cntrl</a:t>
-            </a:r>
-            <a:r>
-              <a:rPr lang="en-US" sz="1400" dirty="0">
-                <a:latin typeface="Calibri" panose="020F0502020204030204" pitchFamily="34" charset="0"/>
-                <a:ea typeface="Calibri" panose="020F0502020204030204" pitchFamily="34" charset="0"/>
-                <a:cs typeface="Calibri" panose="020F0502020204030204" pitchFamily="34" charset="0"/>
-              </a:rPr>
-              <a:t> + F to replace the variable (${variable}) with value) in next request</a:t>
-            </a:r>
-          </a:p>
-          <a:p>
-            <a:r>
-              <a:rPr lang="en-IN" sz="1400" b="1" dirty="0">
-                <a:latin typeface="Calibri" panose="020F0502020204030204" pitchFamily="34" charset="0"/>
-                <a:ea typeface="Calibri" panose="020F0502020204030204" pitchFamily="34" charset="0"/>
-                <a:cs typeface="Calibri" panose="020F0502020204030204" pitchFamily="34" charset="0"/>
-              </a:rPr>
-              <a:t>Correlation Tools in JMeter:</a:t>
-            </a:r>
-          </a:p>
-          <a:p>
-            <a:pPr marL="742950" lvl="1" indent="-285750">
-              <a:buFont typeface="Arial" panose="020B0604020202020204" pitchFamily="34" charset="0"/>
-              <a:buChar char="•"/>
-            </a:pPr>
-            <a:r>
-              <a:rPr lang="en-IN" sz="1400" dirty="0">
-                <a:latin typeface="Calibri" panose="020F0502020204030204" pitchFamily="34" charset="0"/>
-                <a:ea typeface="Calibri" panose="020F0502020204030204" pitchFamily="34" charset="0"/>
-                <a:cs typeface="Calibri" panose="020F0502020204030204" pitchFamily="34" charset="0"/>
-              </a:rPr>
-              <a:t>Regular Expression Extractor</a:t>
-            </a:r>
-          </a:p>
-          <a:p>
-            <a:pPr marL="742950" lvl="1" indent="-285750">
-              <a:buFont typeface="Arial" panose="020B0604020202020204" pitchFamily="34" charset="0"/>
-              <a:buChar char="•"/>
-            </a:pPr>
-            <a:r>
-              <a:rPr lang="en-IN" sz="1400" dirty="0">
-                <a:latin typeface="Calibri" panose="020F0502020204030204" pitchFamily="34" charset="0"/>
-                <a:ea typeface="Calibri" panose="020F0502020204030204" pitchFamily="34" charset="0"/>
-                <a:cs typeface="Calibri" panose="020F0502020204030204" pitchFamily="34" charset="0"/>
-              </a:rPr>
-              <a:t>Boundary Extractor</a:t>
-            </a:r>
-          </a:p>
-          <a:p>
-            <a:pPr marL="742950" lvl="1" indent="-285750">
-              <a:buFont typeface="Arial" panose="020B0604020202020204" pitchFamily="34" charset="0"/>
-              <a:buChar char="•"/>
-            </a:pPr>
-            <a:r>
-              <a:rPr lang="en-IN" sz="1400" dirty="0">
-                <a:latin typeface="Calibri" panose="020F0502020204030204" pitchFamily="34" charset="0"/>
-                <a:ea typeface="Calibri" panose="020F0502020204030204" pitchFamily="34" charset="0"/>
-                <a:cs typeface="Calibri" panose="020F0502020204030204" pitchFamily="34" charset="0"/>
-              </a:rPr>
-              <a:t>JSON Extractor</a:t>
-            </a:r>
-          </a:p>
-          <a:p>
-            <a:pPr marL="742950" lvl="1" indent="-285750">
-              <a:buFont typeface="Arial" panose="020B0604020202020204" pitchFamily="34" charset="0"/>
-              <a:buChar char="•"/>
-            </a:pPr>
-            <a:r>
-              <a:rPr lang="en-IN" sz="1400" dirty="0">
-                <a:latin typeface="Calibri" panose="020F0502020204030204" pitchFamily="34" charset="0"/>
-                <a:ea typeface="Calibri" panose="020F0502020204030204" pitchFamily="34" charset="0"/>
-                <a:cs typeface="Calibri" panose="020F0502020204030204" pitchFamily="34" charset="0"/>
-              </a:rPr>
-              <a:t>XPath Extractor</a:t>
-            </a:r>
-          </a:p>
-          <a:p>
-            <a:pPr marL="742950" lvl="1" indent="-285750">
-              <a:buFont typeface="Arial" panose="020B0604020202020204" pitchFamily="34" charset="0"/>
-              <a:buChar char="•"/>
-            </a:pPr>
-            <a:r>
-              <a:rPr lang="en-IN" sz="1400" dirty="0">
-                <a:latin typeface="Calibri" panose="020F0502020204030204" pitchFamily="34" charset="0"/>
-                <a:ea typeface="Calibri" panose="020F0502020204030204" pitchFamily="34" charset="0"/>
-                <a:cs typeface="Calibri" panose="020F0502020204030204" pitchFamily="34" charset="0"/>
-              </a:rPr>
-              <a:t>CSS Selector Extractor</a:t>
-            </a:r>
-          </a:p>
-          <a:p>
-            <a:r>
-              <a:rPr lang="en-IN" sz="1400" b="1" dirty="0">
-                <a:latin typeface="Calibri" panose="020F0502020204030204" pitchFamily="34" charset="0"/>
-                <a:ea typeface="Calibri" panose="020F0502020204030204" pitchFamily="34" charset="0"/>
-                <a:cs typeface="Calibri" panose="020F0502020204030204" pitchFamily="34" charset="0"/>
-              </a:rPr>
-              <a:t>Common Correlation Issues:</a:t>
-            </a:r>
-          </a:p>
-          <a:p>
-            <a:pPr marL="742950" lvl="1" indent="-285750">
-              <a:buFont typeface="Arial" panose="020B0604020202020204" pitchFamily="34" charset="0"/>
-              <a:buChar char="•"/>
-            </a:pPr>
-            <a:r>
-              <a:rPr lang="en-US" sz="1400" dirty="0">
-                <a:latin typeface="Calibri" panose="020F0502020204030204" pitchFamily="34" charset="0"/>
-                <a:ea typeface="Calibri" panose="020F0502020204030204" pitchFamily="34" charset="0"/>
-                <a:cs typeface="Calibri" panose="020F0502020204030204" pitchFamily="34" charset="0"/>
-              </a:rPr>
-              <a:t>Wrong boundaries</a:t>
-            </a:r>
-          </a:p>
-          <a:p>
-            <a:pPr marL="742950" lvl="1" indent="-285750">
-              <a:buFont typeface="Arial" panose="020B0604020202020204" pitchFamily="34" charset="0"/>
-              <a:buChar char="•"/>
-            </a:pPr>
-            <a:r>
-              <a:rPr lang="en-US" sz="1400" dirty="0">
-                <a:latin typeface="Calibri" panose="020F0502020204030204" pitchFamily="34" charset="0"/>
-                <a:ea typeface="Calibri" panose="020F0502020204030204" pitchFamily="34" charset="0"/>
-                <a:cs typeface="Calibri" panose="020F0502020204030204" pitchFamily="34" charset="0"/>
-              </a:rPr>
-              <a:t>Scope issues</a:t>
-            </a:r>
-          </a:p>
-          <a:p>
-            <a:pPr marL="742950" lvl="1" indent="-285750">
-              <a:buFont typeface="Arial" panose="020B0604020202020204" pitchFamily="34" charset="0"/>
-              <a:buChar char="•"/>
-            </a:pPr>
-            <a:r>
-              <a:rPr lang="en-US" sz="1400" dirty="0">
-                <a:latin typeface="Calibri" panose="020F0502020204030204" pitchFamily="34" charset="0"/>
-                <a:ea typeface="Calibri" panose="020F0502020204030204" pitchFamily="34" charset="0"/>
-                <a:cs typeface="Calibri" panose="020F0502020204030204" pitchFamily="34" charset="0"/>
-              </a:rPr>
-              <a:t>Missing variable usage</a:t>
-            </a:r>
-          </a:p>
-          <a:p>
-            <a:endParaRPr lang="en-IN" sz="1400" b="1" dirty="0">
-              <a:latin typeface="Calibri" panose="020F0502020204030204" pitchFamily="34" charset="0"/>
-              <a:ea typeface="Calibri" panose="020F0502020204030204" pitchFamily="34" charset="0"/>
-              <a:cs typeface="Calibri" panose="020F0502020204030204" pitchFamily="34" charset="0"/>
-            </a:endParaRPr>
-          </a:p>
-          <a:p>
-            <a:endParaRPr lang="en-US" sz="1400" b="1" dirty="0">
-              <a:latin typeface="Calibri" panose="020F0502020204030204" pitchFamily="34" charset="0"/>
-              <a:ea typeface="Calibri" panose="020F0502020204030204" pitchFamily="34" charset="0"/>
-              <a:cs typeface="Calibri" panose="020F0502020204030204" pitchFamily="34" charset="0"/>
-            </a:endParaRPr>
-          </a:p>
-          <a:p>
-            <a:endParaRPr lang="en-US" sz="1400" b="1" dirty="0">
-              <a:latin typeface="Calibri" panose="020F0502020204030204" pitchFamily="34" charset="0"/>
-              <a:ea typeface="Calibri" panose="020F0502020204030204" pitchFamily="34" charset="0"/>
-              <a:cs typeface="Calibri" panose="020F0502020204030204" pitchFamily="34" charset="0"/>
-            </a:endParaRPr>
-          </a:p>
-          <a:p>
-            <a:endParaRPr lang="en-IN" sz="1400" b="1" dirty="0">
-              <a:latin typeface="Calibri" panose="020F0502020204030204" pitchFamily="34" charset="0"/>
-              <a:ea typeface="Calibri" panose="020F0502020204030204" pitchFamily="34" charset="0"/>
-              <a:cs typeface="Calibri" panose="020F0502020204030204" pitchFamily="34" charset="0"/>
-            </a:endParaRPr>
-          </a:p>
-          <a:p>
-            <a:endParaRPr lang="en-IN" sz="1400" b="1" dirty="0">
-              <a:latin typeface="Calibri" panose="020F0502020204030204" pitchFamily="34" charset="0"/>
-              <a:ea typeface="Calibri" panose="020F0502020204030204" pitchFamily="34" charset="0"/>
-              <a:cs typeface="Calibri" panose="020F0502020204030204" pitchFamily="34" charset="0"/>
-            </a:endParaRPr>
-          </a:p>
-          <a:p>
-            <a:pPr marL="342900" indent="-342900">
-              <a:buFont typeface="+mj-lt"/>
-              <a:buAutoNum type="arabicPeriod"/>
-            </a:pPr>
-            <a:endParaRPr lang="en-IN" sz="1400" dirty="0">
-              <a:latin typeface="Calibri" panose="020F0502020204030204" pitchFamily="34" charset="0"/>
-              <a:ea typeface="Calibri" panose="020F0502020204030204" pitchFamily="34" charset="0"/>
-              <a:cs typeface="Calibri" panose="020F0502020204030204" pitchFamily="34" charset="0"/>
-            </a:endParaRPr>
-          </a:p>
-        </p:txBody>
-      </p:sp>
-    </p:spTree>
-    <p:extLst>
-      <p:ext uri="{BB962C8B-B14F-4D97-AF65-F5344CB8AC3E}">
-        <p14:creationId xmlns:p14="http://schemas.microsoft.com/office/powerpoint/2010/main" val="1083190203"/>
       </p:ext>
     </p:extLst>
   </p:cSld>
@@ -5394,7 +4577,7 @@
         <p:spPr>
           <a:xfrm>
             <a:off x="948906" y="891396"/>
-            <a:ext cx="10679502" cy="4247317"/>
+            <a:ext cx="10679502" cy="4801314"/>
           </a:xfrm>
           <a:prstGeom prst="rect">
             <a:avLst/>
@@ -5442,7 +4625,7 @@
             </a:pPr>
             <a:r>
               <a:rPr lang="en-IN" dirty="0"/>
-              <a:t>Inside view results tree give the file path to capture the recording (.xml)</a:t>
+              <a:t>Inside HTTPS Test Script recorder -&gt; view results tree browse the file path to capture the recording (.xml)</a:t>
             </a:r>
           </a:p>
           <a:p>
@@ -5483,6 +4666,16 @@
             <a:r>
               <a:rPr lang="en-IN" dirty="0"/>
               <a:t>Record the script</a:t>
+            </a:r>
+          </a:p>
+          <a:p>
+            <a:pPr marL="742950" lvl="1" indent="-285750">
+              <a:buFont typeface="Arial" panose="020B0604020202020204" pitchFamily="34" charset="0"/>
+              <a:buChar char="•"/>
+            </a:pPr>
+            <a:r>
+              <a:rPr lang="en-IN" dirty="0"/>
+              <a:t>After completion of script disable the HTTPS Test script recorder</a:t>
             </a:r>
           </a:p>
           <a:p>
@@ -5526,6 +4719,1113 @@
 </file>
 
 <file path=ppt/slides/slide6.xml><?xml version="1.0" encoding="utf-8"?>
+<p:sld xmlns:a="http://schemas.openxmlformats.org/drawingml/2006/main" xmlns:r="http://schemas.openxmlformats.org/officeDocument/2006/relationships" xmlns:p="http://schemas.openxmlformats.org/presentationml/2006/main">
+  <p:cSld>
+    <p:spTree>
+      <p:nvGrpSpPr>
+        <p:cNvPr id="1" name="">
+          <a:extLst>
+            <a:ext uri="{FF2B5EF4-FFF2-40B4-BE49-F238E27FC236}">
+              <a16:creationId xmlns:a16="http://schemas.microsoft.com/office/drawing/2014/main" id="{15BD69B9-2A1E-5D4F-7F06-D91BBA1DCC20}"/>
+            </a:ext>
+          </a:extLst>
+        </p:cNvPr>
+        <p:cNvGrpSpPr/>
+        <p:nvPr/>
+      </p:nvGrpSpPr>
+      <p:grpSpPr>
+        <a:xfrm>
+          <a:off x="0" y="0"/>
+          <a:ext cx="0" cy="0"/>
+          <a:chOff x="0" y="0"/>
+          <a:chExt cx="0" cy="0"/>
+        </a:xfrm>
+      </p:grpSpPr>
+      <p:sp>
+        <p:nvSpPr>
+          <p:cNvPr id="2" name="TextBox 1">
+            <a:extLst>
+              <a:ext uri="{FF2B5EF4-FFF2-40B4-BE49-F238E27FC236}">
+                <a16:creationId xmlns:a16="http://schemas.microsoft.com/office/drawing/2014/main" id="{ED39C0FC-F356-FBA2-B798-B23B89844F1D}"/>
+              </a:ext>
+            </a:extLst>
+          </p:cNvPr>
+          <p:cNvSpPr txBox="1"/>
+          <p:nvPr/>
+        </p:nvSpPr>
+        <p:spPr>
+          <a:xfrm>
+            <a:off x="810883" y="488830"/>
+            <a:ext cx="10742762" cy="5078313"/>
+          </a:xfrm>
+          <a:prstGeom prst="rect">
+            <a:avLst/>
+          </a:prstGeom>
+          <a:noFill/>
+        </p:spPr>
+        <p:txBody>
+          <a:bodyPr wrap="square" rtlCol="0">
+            <a:spAutoFit/>
+          </a:bodyPr>
+          <a:lstStyle/>
+          <a:p>
+            <a:r>
+              <a:rPr lang="en-IN" b="1" dirty="0"/>
+              <a:t>Enhancement of Script:</a:t>
+            </a:r>
+          </a:p>
+          <a:p>
+            <a:pPr marL="342900" indent="-342900">
+              <a:buFont typeface="+mj-lt"/>
+              <a:buAutoNum type="arabicPeriod"/>
+            </a:pPr>
+            <a:r>
+              <a:rPr lang="en-IN" dirty="0"/>
+              <a:t>Take a back up copy</a:t>
+            </a:r>
+          </a:p>
+          <a:p>
+            <a:pPr marL="342900" indent="-342900">
+              <a:buFont typeface="+mj-lt"/>
+              <a:buAutoNum type="arabicPeriod"/>
+            </a:pPr>
+            <a:r>
+              <a:rPr lang="en-IN" dirty="0"/>
+              <a:t>Remove irrelevant URLS and Embedded resources</a:t>
+            </a:r>
+          </a:p>
+          <a:p>
+            <a:pPr marL="342900" indent="-342900">
+              <a:buFont typeface="+mj-lt"/>
+              <a:buAutoNum type="arabicPeriod"/>
+            </a:pPr>
+            <a:r>
+              <a:rPr lang="en-IN" dirty="0"/>
+              <a:t>If any misplaced/misarranged requests are found, arrange /put them in their respective transaction controller.</a:t>
+            </a:r>
+          </a:p>
+          <a:p>
+            <a:pPr marL="342900" indent="-342900">
+              <a:buFont typeface="+mj-lt"/>
+              <a:buAutoNum type="arabicPeriod"/>
+            </a:pPr>
+            <a:r>
+              <a:rPr lang="en-IN" dirty="0"/>
+              <a:t>Add numbers sequentially to all requests for transactions.</a:t>
+            </a:r>
+          </a:p>
+          <a:p>
+            <a:pPr marL="342900" indent="-342900">
+              <a:buFont typeface="+mj-lt"/>
+              <a:buAutoNum type="arabicPeriod"/>
+            </a:pPr>
+            <a:r>
+              <a:rPr lang="en-IN" dirty="0"/>
+              <a:t>Put check mark in Generate Parent sample option for each transaction controller</a:t>
+            </a:r>
+          </a:p>
+          <a:p>
+            <a:pPr marL="342900" indent="-342900">
+              <a:buFont typeface="+mj-lt"/>
+              <a:buAutoNum type="arabicPeriod"/>
+            </a:pPr>
+            <a:r>
+              <a:rPr lang="en-IN" dirty="0"/>
+              <a:t>Add HTTP Request defaulter at </a:t>
+            </a:r>
+            <a:r>
+              <a:rPr lang="en-IN" b="1" dirty="0"/>
+              <a:t>Test plan level</a:t>
+            </a:r>
+          </a:p>
+          <a:p>
+            <a:pPr marL="342900" indent="-342900">
+              <a:buFont typeface="+mj-lt"/>
+              <a:buAutoNum type="arabicPeriod"/>
+            </a:pPr>
+            <a:r>
+              <a:rPr lang="en-IN" dirty="0"/>
+              <a:t>Add HTTP cookie manager and Cache manager inside </a:t>
+            </a:r>
+            <a:r>
+              <a:rPr lang="en-IN" b="1" dirty="0"/>
+              <a:t>thread group </a:t>
+            </a:r>
+            <a:r>
+              <a:rPr lang="en-IN" dirty="0"/>
+              <a:t>and put check mark in “Clear Cookies Each Iteration” </a:t>
+            </a:r>
+          </a:p>
+          <a:p>
+            <a:pPr marL="342900" indent="-342900">
+              <a:buFont typeface="+mj-lt"/>
+              <a:buAutoNum type="arabicPeriod"/>
+            </a:pPr>
+            <a:r>
+              <a:rPr lang="en-IN" dirty="0"/>
+              <a:t>Add the Debug sampler at thread group level</a:t>
+            </a:r>
+          </a:p>
+          <a:p>
+            <a:pPr marL="342900" indent="-342900">
+              <a:buFont typeface="+mj-lt"/>
+              <a:buAutoNum type="arabicPeriod"/>
+            </a:pPr>
+            <a:r>
+              <a:rPr lang="en-IN" dirty="0"/>
+              <a:t>Find the </a:t>
+            </a:r>
+            <a:r>
+              <a:rPr lang="en-IN" b="1" dirty="0"/>
+              <a:t>Dynamic Values </a:t>
+            </a:r>
+            <a:r>
+              <a:rPr lang="en-IN" dirty="0"/>
+              <a:t>and do the </a:t>
+            </a:r>
+            <a:r>
+              <a:rPr lang="en-IN" b="1" dirty="0"/>
+              <a:t>Co Relation and parameterization.</a:t>
+            </a:r>
+          </a:p>
+          <a:p>
+            <a:pPr marL="342900" indent="-342900">
+              <a:buFont typeface="+mj-lt"/>
+              <a:buAutoNum type="arabicPeriod"/>
+            </a:pPr>
+            <a:r>
+              <a:rPr lang="en-IN" dirty="0"/>
+              <a:t>Use Response assertions</a:t>
+            </a:r>
+          </a:p>
+          <a:p>
+            <a:pPr marL="342900" indent="-342900">
+              <a:buFont typeface="+mj-lt"/>
+              <a:buAutoNum type="arabicPeriod"/>
+            </a:pPr>
+            <a:r>
+              <a:rPr lang="en-IN" dirty="0"/>
+              <a:t>Add the timers (Think Time)</a:t>
+            </a:r>
+          </a:p>
+          <a:p>
+            <a:pPr marL="342900" indent="-342900">
+              <a:buFont typeface="+mj-lt"/>
+              <a:buAutoNum type="arabicPeriod"/>
+            </a:pPr>
+            <a:r>
+              <a:rPr lang="en-IN" dirty="0"/>
+              <a:t>Apply Error handling if required</a:t>
+            </a:r>
+          </a:p>
+          <a:p>
+            <a:pPr marL="342900" indent="-342900">
+              <a:buFont typeface="+mj-lt"/>
+              <a:buAutoNum type="arabicPeriod"/>
+            </a:pPr>
+            <a:r>
+              <a:rPr lang="en-IN" dirty="0"/>
+              <a:t>Test script stabilization.</a:t>
+            </a:r>
+          </a:p>
+          <a:p>
+            <a:pPr marL="342900" indent="-342900">
+              <a:buFont typeface="+mj-lt"/>
+              <a:buAutoNum type="arabicPeriod"/>
+            </a:pPr>
+            <a:endParaRPr lang="en-IN" dirty="0"/>
+          </a:p>
+          <a:p>
+            <a:pPr marL="342900" indent="-342900">
+              <a:buFont typeface="+mj-lt"/>
+              <a:buAutoNum type="arabicPeriod"/>
+            </a:pPr>
+            <a:endParaRPr lang="en-IN" dirty="0"/>
+          </a:p>
+        </p:txBody>
+      </p:sp>
+    </p:spTree>
+    <p:extLst>
+      <p:ext uri="{BB962C8B-B14F-4D97-AF65-F5344CB8AC3E}">
+        <p14:creationId xmlns:p14="http://schemas.microsoft.com/office/powerpoint/2010/main" val="928237137"/>
+      </p:ext>
+    </p:extLst>
+  </p:cSld>
+  <p:clrMapOvr>
+    <a:masterClrMapping/>
+  </p:clrMapOvr>
+</p:sld>
+</file>
+
+<file path=ppt/slides/slide7.xml><?xml version="1.0" encoding="utf-8"?>
+<p:sld xmlns:a="http://schemas.openxmlformats.org/drawingml/2006/main" xmlns:r="http://schemas.openxmlformats.org/officeDocument/2006/relationships" xmlns:p="http://schemas.openxmlformats.org/presentationml/2006/main">
+  <p:cSld>
+    <p:spTree>
+      <p:nvGrpSpPr>
+        <p:cNvPr id="1" name="">
+          <a:extLst>
+            <a:ext uri="{FF2B5EF4-FFF2-40B4-BE49-F238E27FC236}">
+              <a16:creationId xmlns:a16="http://schemas.microsoft.com/office/drawing/2014/main" id="{34A056DD-0ADD-E839-FDA5-232BFA0EC791}"/>
+            </a:ext>
+          </a:extLst>
+        </p:cNvPr>
+        <p:cNvGrpSpPr/>
+        <p:nvPr/>
+      </p:nvGrpSpPr>
+      <p:grpSpPr>
+        <a:xfrm>
+          <a:off x="0" y="0"/>
+          <a:ext cx="0" cy="0"/>
+          <a:chOff x="0" y="0"/>
+          <a:chExt cx="0" cy="0"/>
+        </a:xfrm>
+      </p:grpSpPr>
+      <p:sp>
+        <p:nvSpPr>
+          <p:cNvPr id="2" name="TextBox 1">
+            <a:extLst>
+              <a:ext uri="{FF2B5EF4-FFF2-40B4-BE49-F238E27FC236}">
+                <a16:creationId xmlns:a16="http://schemas.microsoft.com/office/drawing/2014/main" id="{88F78A66-8188-52D4-3A91-188E4A00EE78}"/>
+              </a:ext>
+            </a:extLst>
+          </p:cNvPr>
+          <p:cNvSpPr txBox="1"/>
+          <p:nvPr/>
+        </p:nvSpPr>
+        <p:spPr>
+          <a:xfrm>
+            <a:off x="810883" y="488830"/>
+            <a:ext cx="10742762" cy="7232749"/>
+          </a:xfrm>
+          <a:prstGeom prst="rect">
+            <a:avLst/>
+          </a:prstGeom>
+          <a:noFill/>
+        </p:spPr>
+        <p:txBody>
+          <a:bodyPr wrap="square" rtlCol="0">
+            <a:spAutoFit/>
+          </a:bodyPr>
+          <a:lstStyle/>
+          <a:p>
+            <a:r>
+              <a:rPr lang="en-IN" sz="1600" b="1" dirty="0">
+                <a:latin typeface="Calibri" panose="020F0502020204030204" pitchFamily="34" charset="0"/>
+                <a:ea typeface="Calibri" panose="020F0502020204030204" pitchFamily="34" charset="0"/>
+                <a:cs typeface="Calibri" panose="020F0502020204030204" pitchFamily="34" charset="0"/>
+              </a:rPr>
+              <a:t>Dynamic Values: </a:t>
+            </a:r>
+            <a:r>
+              <a:rPr lang="en-US" sz="1600" dirty="0">
+                <a:latin typeface="Calibri" panose="020F0502020204030204" pitchFamily="34" charset="0"/>
+                <a:ea typeface="Calibri" panose="020F0502020204030204" pitchFamily="34" charset="0"/>
+                <a:cs typeface="Calibri" panose="020F0502020204030204" pitchFamily="34" charset="0"/>
+              </a:rPr>
+              <a:t>Dynamic values are server-generated values that change every time for the same transaction and different users.</a:t>
+            </a:r>
+          </a:p>
+          <a:p>
+            <a:r>
+              <a:rPr lang="en-IN" sz="1600" b="1" dirty="0">
+                <a:latin typeface="Calibri" panose="020F0502020204030204" pitchFamily="34" charset="0"/>
+                <a:ea typeface="Calibri" panose="020F0502020204030204" pitchFamily="34" charset="0"/>
+                <a:cs typeface="Calibri" panose="020F0502020204030204" pitchFamily="34" charset="0"/>
+              </a:rPr>
+              <a:t>Co-Relation:</a:t>
+            </a:r>
+          </a:p>
+          <a:p>
+            <a:r>
+              <a:rPr lang="en-US" sz="1600" dirty="0">
+                <a:latin typeface="Calibri" panose="020F0502020204030204" pitchFamily="34" charset="0"/>
+                <a:ea typeface="Calibri" panose="020F0502020204030204" pitchFamily="34" charset="0"/>
+                <a:cs typeface="Calibri" panose="020F0502020204030204" pitchFamily="34" charset="0"/>
+              </a:rPr>
+              <a:t>Correlation is the process of capturing dynamic values from server responses and reusing them in subsequent requests.</a:t>
+            </a:r>
+          </a:p>
+          <a:p>
+            <a:r>
+              <a:rPr lang="en-IN" sz="1600" b="1" dirty="0">
+                <a:latin typeface="Calibri" panose="020F0502020204030204" pitchFamily="34" charset="0"/>
+                <a:ea typeface="Calibri" panose="020F0502020204030204" pitchFamily="34" charset="0"/>
+                <a:cs typeface="Calibri" panose="020F0502020204030204" pitchFamily="34" charset="0"/>
+              </a:rPr>
+              <a:t>Example of Conventional Dynamic Values:</a:t>
+            </a:r>
+          </a:p>
+          <a:p>
+            <a:pPr marL="742950" lvl="1" indent="-285750">
+              <a:buFont typeface="Arial" panose="020B0604020202020204" pitchFamily="34" charset="0"/>
+              <a:buChar char="•"/>
+            </a:pPr>
+            <a:r>
+              <a:rPr lang="en-US" sz="1600" dirty="0">
+                <a:latin typeface="Calibri" panose="020F0502020204030204" pitchFamily="34" charset="0"/>
+                <a:ea typeface="Calibri" panose="020F0502020204030204" pitchFamily="34" charset="0"/>
+                <a:cs typeface="Calibri" panose="020F0502020204030204" pitchFamily="34" charset="0"/>
+              </a:rPr>
+              <a:t>Session ID</a:t>
+            </a:r>
+          </a:p>
+          <a:p>
+            <a:pPr marL="742950" lvl="1" indent="-285750">
+              <a:buFont typeface="Arial" panose="020B0604020202020204" pitchFamily="34" charset="0"/>
+              <a:buChar char="•"/>
+            </a:pPr>
+            <a:r>
+              <a:rPr lang="en-US" sz="1600" dirty="0">
+                <a:latin typeface="Calibri" panose="020F0502020204030204" pitchFamily="34" charset="0"/>
+                <a:ea typeface="Calibri" panose="020F0502020204030204" pitchFamily="34" charset="0"/>
+                <a:cs typeface="Calibri" panose="020F0502020204030204" pitchFamily="34" charset="0"/>
+              </a:rPr>
+              <a:t>CSRF Token</a:t>
+            </a:r>
+          </a:p>
+          <a:p>
+            <a:pPr marL="742950" lvl="1" indent="-285750">
+              <a:buFont typeface="Arial" panose="020B0604020202020204" pitchFamily="34" charset="0"/>
+              <a:buChar char="•"/>
+            </a:pPr>
+            <a:r>
+              <a:rPr lang="en-US" sz="1600" dirty="0">
+                <a:latin typeface="Calibri" panose="020F0502020204030204" pitchFamily="34" charset="0"/>
+                <a:ea typeface="Calibri" panose="020F0502020204030204" pitchFamily="34" charset="0"/>
+                <a:cs typeface="Calibri" panose="020F0502020204030204" pitchFamily="34" charset="0"/>
+              </a:rPr>
+              <a:t>Bearer Token (OAuth 2.0)</a:t>
+            </a:r>
+          </a:p>
+          <a:p>
+            <a:pPr marL="742950" lvl="1" indent="-285750">
+              <a:buFont typeface="Arial" panose="020B0604020202020204" pitchFamily="34" charset="0"/>
+              <a:buChar char="•"/>
+            </a:pPr>
+            <a:r>
+              <a:rPr lang="en-US" sz="1600" dirty="0" err="1">
+                <a:latin typeface="Calibri" panose="020F0502020204030204" pitchFamily="34" charset="0"/>
+                <a:ea typeface="Calibri" panose="020F0502020204030204" pitchFamily="34" charset="0"/>
+                <a:cs typeface="Calibri" panose="020F0502020204030204" pitchFamily="34" charset="0"/>
+              </a:rPr>
+              <a:t>ViewState</a:t>
+            </a:r>
+            <a:endParaRPr lang="en-US" sz="1600" dirty="0">
+              <a:latin typeface="Calibri" panose="020F0502020204030204" pitchFamily="34" charset="0"/>
+              <a:ea typeface="Calibri" panose="020F0502020204030204" pitchFamily="34" charset="0"/>
+              <a:cs typeface="Calibri" panose="020F0502020204030204" pitchFamily="34" charset="0"/>
+            </a:endParaRPr>
+          </a:p>
+          <a:p>
+            <a:pPr marL="742950" lvl="1" indent="-285750">
+              <a:buFont typeface="Arial" panose="020B0604020202020204" pitchFamily="34" charset="0"/>
+              <a:buChar char="•"/>
+            </a:pPr>
+            <a:r>
+              <a:rPr lang="en-US" sz="1600" dirty="0">
+                <a:latin typeface="Calibri" panose="020F0502020204030204" pitchFamily="34" charset="0"/>
+                <a:ea typeface="Calibri" panose="020F0502020204030204" pitchFamily="34" charset="0"/>
+                <a:cs typeface="Calibri" panose="020F0502020204030204" pitchFamily="34" charset="0"/>
+              </a:rPr>
+              <a:t>Nonce</a:t>
+            </a:r>
+          </a:p>
+          <a:p>
+            <a:pPr marL="742950" lvl="1" indent="-285750">
+              <a:buFont typeface="Arial" panose="020B0604020202020204" pitchFamily="34" charset="0"/>
+              <a:buChar char="•"/>
+            </a:pPr>
+            <a:r>
+              <a:rPr lang="en-US" sz="1600">
+                <a:latin typeface="Calibri" panose="020F0502020204030204" pitchFamily="34" charset="0"/>
+                <a:ea typeface="Calibri" panose="020F0502020204030204" pitchFamily="34" charset="0"/>
+                <a:cs typeface="Calibri" panose="020F0502020204030204" pitchFamily="34" charset="0"/>
+              </a:rPr>
+              <a:t>SAML Value</a:t>
+            </a:r>
+            <a:endParaRPr lang="en-US" sz="1600" dirty="0">
+              <a:latin typeface="Calibri" panose="020F0502020204030204" pitchFamily="34" charset="0"/>
+              <a:ea typeface="Calibri" panose="020F0502020204030204" pitchFamily="34" charset="0"/>
+              <a:cs typeface="Calibri" panose="020F0502020204030204" pitchFamily="34" charset="0"/>
+            </a:endParaRPr>
+          </a:p>
+          <a:p>
+            <a:r>
+              <a:rPr lang="en-US" sz="1600" b="1" dirty="0">
+                <a:latin typeface="Calibri" panose="020F0502020204030204" pitchFamily="34" charset="0"/>
+                <a:ea typeface="Calibri" panose="020F0502020204030204" pitchFamily="34" charset="0"/>
+                <a:cs typeface="Calibri" panose="020F0502020204030204" pitchFamily="34" charset="0"/>
+              </a:rPr>
+              <a:t>Examples of Business / Non-Conventional Dynamic Values</a:t>
+            </a:r>
+          </a:p>
+          <a:p>
+            <a:pPr marL="742950" lvl="1" indent="-285750">
+              <a:buFont typeface="Arial" panose="020B0604020202020204" pitchFamily="34" charset="0"/>
+              <a:buChar char="•"/>
+            </a:pPr>
+            <a:r>
+              <a:rPr lang="en-US" sz="1600" dirty="0">
+                <a:latin typeface="Calibri" panose="020F0502020204030204" pitchFamily="34" charset="0"/>
+                <a:ea typeface="Calibri" panose="020F0502020204030204" pitchFamily="34" charset="0"/>
+                <a:cs typeface="Calibri" panose="020F0502020204030204" pitchFamily="34" charset="0"/>
+              </a:rPr>
+              <a:t>Customer ID</a:t>
+            </a:r>
+          </a:p>
+          <a:p>
+            <a:pPr marL="742950" lvl="1" indent="-285750">
+              <a:buFont typeface="Arial" panose="020B0604020202020204" pitchFamily="34" charset="0"/>
+              <a:buChar char="•"/>
+            </a:pPr>
+            <a:r>
+              <a:rPr lang="en-US" sz="1600" dirty="0">
+                <a:latin typeface="Calibri" panose="020F0502020204030204" pitchFamily="34" charset="0"/>
+                <a:ea typeface="Calibri" panose="020F0502020204030204" pitchFamily="34" charset="0"/>
+                <a:cs typeface="Calibri" panose="020F0502020204030204" pitchFamily="34" charset="0"/>
+              </a:rPr>
+              <a:t>Order Number</a:t>
+            </a:r>
+          </a:p>
+          <a:p>
+            <a:pPr marL="742950" lvl="1" indent="-285750">
+              <a:buFont typeface="Arial" panose="020B0604020202020204" pitchFamily="34" charset="0"/>
+              <a:buChar char="•"/>
+            </a:pPr>
+            <a:r>
+              <a:rPr lang="en-US" sz="1600" dirty="0">
+                <a:latin typeface="Calibri" panose="020F0502020204030204" pitchFamily="34" charset="0"/>
+                <a:ea typeface="Calibri" panose="020F0502020204030204" pitchFamily="34" charset="0"/>
+                <a:cs typeface="Calibri" panose="020F0502020204030204" pitchFamily="34" charset="0"/>
+              </a:rPr>
+              <a:t>Bill Number</a:t>
+            </a:r>
+          </a:p>
+          <a:p>
+            <a:pPr marL="742950" lvl="1" indent="-285750">
+              <a:buFont typeface="Arial" panose="020B0604020202020204" pitchFamily="34" charset="0"/>
+              <a:buChar char="•"/>
+            </a:pPr>
+            <a:r>
+              <a:rPr lang="en-US" sz="1600" dirty="0">
+                <a:latin typeface="Calibri" panose="020F0502020204030204" pitchFamily="34" charset="0"/>
+                <a:ea typeface="Calibri" panose="020F0502020204030204" pitchFamily="34" charset="0"/>
+                <a:cs typeface="Calibri" panose="020F0502020204030204" pitchFamily="34" charset="0"/>
+              </a:rPr>
+              <a:t>PNR Number</a:t>
+            </a:r>
+          </a:p>
+          <a:p>
+            <a:pPr marL="742950" lvl="1" indent="-285750">
+              <a:buFont typeface="Arial" panose="020B0604020202020204" pitchFamily="34" charset="0"/>
+              <a:buChar char="•"/>
+            </a:pPr>
+            <a:r>
+              <a:rPr lang="en-US" sz="1600" dirty="0">
+                <a:latin typeface="Calibri" panose="020F0502020204030204" pitchFamily="34" charset="0"/>
+                <a:ea typeface="Calibri" panose="020F0502020204030204" pitchFamily="34" charset="0"/>
+                <a:cs typeface="Calibri" panose="020F0502020204030204" pitchFamily="34" charset="0"/>
+              </a:rPr>
+              <a:t>Transaction ID</a:t>
+            </a:r>
+          </a:p>
+          <a:p>
+            <a:r>
+              <a:rPr lang="en-IN" sz="1600" b="1" dirty="0">
+                <a:latin typeface="Calibri" panose="020F0502020204030204" pitchFamily="34" charset="0"/>
+                <a:ea typeface="Calibri" panose="020F0502020204030204" pitchFamily="34" charset="0"/>
+                <a:cs typeface="Calibri" panose="020F0502020204030204" pitchFamily="34" charset="0"/>
+              </a:rPr>
+              <a:t>Other Dynamic Data</a:t>
+            </a:r>
+          </a:p>
+          <a:p>
+            <a:pPr marL="742950" lvl="1" indent="-285750">
+              <a:buFont typeface="Arial" panose="020B0604020202020204" pitchFamily="34" charset="0"/>
+              <a:buChar char="•"/>
+            </a:pPr>
+            <a:r>
+              <a:rPr lang="en-IN" sz="1600" dirty="0">
+                <a:latin typeface="Calibri" panose="020F0502020204030204" pitchFamily="34" charset="0"/>
+                <a:ea typeface="Calibri" panose="020F0502020204030204" pitchFamily="34" charset="0"/>
+                <a:cs typeface="Calibri" panose="020F0502020204030204" pitchFamily="34" charset="0"/>
+              </a:rPr>
+              <a:t>Dropdown values</a:t>
+            </a:r>
+          </a:p>
+          <a:p>
+            <a:pPr marL="742950" lvl="1" indent="-285750">
+              <a:buFont typeface="Arial" panose="020B0604020202020204" pitchFamily="34" charset="0"/>
+              <a:buChar char="•"/>
+            </a:pPr>
+            <a:r>
+              <a:rPr lang="en-IN" sz="1600" dirty="0">
+                <a:latin typeface="Calibri" panose="020F0502020204030204" pitchFamily="34" charset="0"/>
+                <a:ea typeface="Calibri" panose="020F0502020204030204" pitchFamily="34" charset="0"/>
+                <a:cs typeface="Calibri" panose="020F0502020204030204" pitchFamily="34" charset="0"/>
+              </a:rPr>
+              <a:t>Multiple selection options</a:t>
+            </a:r>
+          </a:p>
+          <a:p>
+            <a:pPr marL="742950" lvl="1" indent="-285750">
+              <a:buFont typeface="Arial" panose="020B0604020202020204" pitchFamily="34" charset="0"/>
+              <a:buChar char="•"/>
+            </a:pPr>
+            <a:r>
+              <a:rPr lang="en-IN" sz="1600" dirty="0">
+                <a:latin typeface="Calibri" panose="020F0502020204030204" pitchFamily="34" charset="0"/>
+                <a:ea typeface="Calibri" panose="020F0502020204030204" pitchFamily="34" charset="0"/>
+                <a:cs typeface="Calibri" panose="020F0502020204030204" pitchFamily="34" charset="0"/>
+              </a:rPr>
+              <a:t>Records count per page</a:t>
+            </a:r>
+          </a:p>
+          <a:p>
+            <a:r>
+              <a:rPr lang="en-US" sz="1600" b="1" dirty="0">
+                <a:latin typeface="Calibri" panose="020F0502020204030204" pitchFamily="34" charset="0"/>
+                <a:ea typeface="Calibri" panose="020F0502020204030204" pitchFamily="34" charset="0"/>
+                <a:cs typeface="Calibri" panose="020F0502020204030204" pitchFamily="34" charset="0"/>
+              </a:rPr>
+              <a:t>Dynamic value based on time:</a:t>
+            </a:r>
+          </a:p>
+          <a:p>
+            <a:pPr marL="742950" lvl="1" indent="-285750">
+              <a:buFont typeface="Arial" panose="020B0604020202020204" pitchFamily="34" charset="0"/>
+              <a:buChar char="•"/>
+            </a:pPr>
+            <a:r>
+              <a:rPr lang="en-IN" sz="1600" dirty="0">
+                <a:latin typeface="Calibri" panose="020F0502020204030204" pitchFamily="34" charset="0"/>
+                <a:ea typeface="Calibri" panose="020F0502020204030204" pitchFamily="34" charset="0"/>
+                <a:cs typeface="Calibri" panose="020F0502020204030204" pitchFamily="34" charset="0"/>
+              </a:rPr>
+              <a:t>Unix / Epoch time</a:t>
+            </a:r>
+          </a:p>
+          <a:p>
+            <a:endParaRPr lang="en-US" sz="1600" dirty="0">
+              <a:latin typeface="Calibri" panose="020F0502020204030204" pitchFamily="34" charset="0"/>
+              <a:ea typeface="Calibri" panose="020F0502020204030204" pitchFamily="34" charset="0"/>
+              <a:cs typeface="Calibri" panose="020F0502020204030204" pitchFamily="34" charset="0"/>
+            </a:endParaRPr>
+          </a:p>
+          <a:p>
+            <a:endParaRPr lang="en-US" sz="1600" b="1" dirty="0">
+              <a:latin typeface="Calibri" panose="020F0502020204030204" pitchFamily="34" charset="0"/>
+              <a:ea typeface="Calibri" panose="020F0502020204030204" pitchFamily="34" charset="0"/>
+              <a:cs typeface="Calibri" panose="020F0502020204030204" pitchFamily="34" charset="0"/>
+            </a:endParaRPr>
+          </a:p>
+          <a:p>
+            <a:endParaRPr lang="en-IN" sz="1600" b="1" dirty="0">
+              <a:latin typeface="Calibri" panose="020F0502020204030204" pitchFamily="34" charset="0"/>
+              <a:ea typeface="Calibri" panose="020F0502020204030204" pitchFamily="34" charset="0"/>
+              <a:cs typeface="Calibri" panose="020F0502020204030204" pitchFamily="34" charset="0"/>
+            </a:endParaRPr>
+          </a:p>
+          <a:p>
+            <a:endParaRPr lang="en-IN" sz="1600" b="1" dirty="0">
+              <a:latin typeface="Calibri" panose="020F0502020204030204" pitchFamily="34" charset="0"/>
+              <a:ea typeface="Calibri" panose="020F0502020204030204" pitchFamily="34" charset="0"/>
+              <a:cs typeface="Calibri" panose="020F0502020204030204" pitchFamily="34" charset="0"/>
+            </a:endParaRPr>
+          </a:p>
+          <a:p>
+            <a:pPr marL="342900" indent="-342900">
+              <a:buFont typeface="+mj-lt"/>
+              <a:buAutoNum type="arabicPeriod"/>
+            </a:pPr>
+            <a:endParaRPr lang="en-IN" sz="1600" dirty="0">
+              <a:latin typeface="Calibri" panose="020F0502020204030204" pitchFamily="34" charset="0"/>
+              <a:ea typeface="Calibri" panose="020F0502020204030204" pitchFamily="34" charset="0"/>
+              <a:cs typeface="Calibri" panose="020F0502020204030204" pitchFamily="34" charset="0"/>
+            </a:endParaRPr>
+          </a:p>
+        </p:txBody>
+      </p:sp>
+    </p:spTree>
+    <p:extLst>
+      <p:ext uri="{BB962C8B-B14F-4D97-AF65-F5344CB8AC3E}">
+        <p14:creationId xmlns:p14="http://schemas.microsoft.com/office/powerpoint/2010/main" val="1245616038"/>
+      </p:ext>
+    </p:extLst>
+  </p:cSld>
+  <p:clrMapOvr>
+    <a:masterClrMapping/>
+  </p:clrMapOvr>
+</p:sld>
+</file>
+
+<file path=ppt/slides/slide8.xml><?xml version="1.0" encoding="utf-8"?>
+<p:sld xmlns:a="http://schemas.openxmlformats.org/drawingml/2006/main" xmlns:r="http://schemas.openxmlformats.org/officeDocument/2006/relationships" xmlns:p="http://schemas.openxmlformats.org/presentationml/2006/main">
+  <p:cSld>
+    <p:spTree>
+      <p:nvGrpSpPr>
+        <p:cNvPr id="1" name="">
+          <a:extLst>
+            <a:ext uri="{FF2B5EF4-FFF2-40B4-BE49-F238E27FC236}">
+              <a16:creationId xmlns:a16="http://schemas.microsoft.com/office/drawing/2014/main" id="{B71AFBD5-00D7-55AF-8145-81A2BA86109F}"/>
+            </a:ext>
+          </a:extLst>
+        </p:cNvPr>
+        <p:cNvGrpSpPr/>
+        <p:nvPr/>
+      </p:nvGrpSpPr>
+      <p:grpSpPr>
+        <a:xfrm>
+          <a:off x="0" y="0"/>
+          <a:ext cx="0" cy="0"/>
+          <a:chOff x="0" y="0"/>
+          <a:chExt cx="0" cy="0"/>
+        </a:xfrm>
+      </p:grpSpPr>
+      <p:sp>
+        <p:nvSpPr>
+          <p:cNvPr id="2" name="TextBox 1">
+            <a:extLst>
+              <a:ext uri="{FF2B5EF4-FFF2-40B4-BE49-F238E27FC236}">
+                <a16:creationId xmlns:a16="http://schemas.microsoft.com/office/drawing/2014/main" id="{7AF0C42B-0E38-6D28-51F4-861D28413894}"/>
+              </a:ext>
+            </a:extLst>
+          </p:cNvPr>
+          <p:cNvSpPr txBox="1"/>
+          <p:nvPr/>
+        </p:nvSpPr>
+        <p:spPr>
+          <a:xfrm>
+            <a:off x="724619" y="241540"/>
+            <a:ext cx="10742762" cy="6986528"/>
+          </a:xfrm>
+          <a:prstGeom prst="rect">
+            <a:avLst/>
+          </a:prstGeom>
+          <a:noFill/>
+        </p:spPr>
+        <p:txBody>
+          <a:bodyPr wrap="square" rtlCol="0">
+            <a:spAutoFit/>
+          </a:bodyPr>
+          <a:lstStyle/>
+          <a:p>
+            <a:r>
+              <a:rPr lang="en-IN" sz="1400" b="1" dirty="0">
+                <a:latin typeface="Calibri" panose="020F0502020204030204" pitchFamily="34" charset="0"/>
+                <a:ea typeface="Calibri" panose="020F0502020204030204" pitchFamily="34" charset="0"/>
+                <a:cs typeface="Calibri" panose="020F0502020204030204" pitchFamily="34" charset="0"/>
+              </a:rPr>
+              <a:t>Where Dynamic Value will occur:</a:t>
+            </a:r>
+          </a:p>
+          <a:p>
+            <a:pPr marL="742950" lvl="1" indent="-285750">
+              <a:buFont typeface="Arial" panose="020B0604020202020204" pitchFamily="34" charset="0"/>
+              <a:buChar char="•"/>
+            </a:pPr>
+            <a:r>
+              <a:rPr lang="en-IN" sz="1400" dirty="0">
+                <a:latin typeface="Calibri" panose="020F0502020204030204" pitchFamily="34" charset="0"/>
+                <a:ea typeface="Calibri" panose="020F0502020204030204" pitchFamily="34" charset="0"/>
+                <a:cs typeface="Calibri" panose="020F0502020204030204" pitchFamily="34" charset="0"/>
+              </a:rPr>
+              <a:t>Request URL</a:t>
+            </a:r>
+          </a:p>
+          <a:p>
+            <a:pPr marL="742950" lvl="1" indent="-285750">
+              <a:buFont typeface="Arial" panose="020B0604020202020204" pitchFamily="34" charset="0"/>
+              <a:buChar char="•"/>
+            </a:pPr>
+            <a:r>
+              <a:rPr lang="en-IN" sz="1400" dirty="0">
+                <a:latin typeface="Calibri" panose="020F0502020204030204" pitchFamily="34" charset="0"/>
+                <a:ea typeface="Calibri" panose="020F0502020204030204" pitchFamily="34" charset="0"/>
+                <a:cs typeface="Calibri" panose="020F0502020204030204" pitchFamily="34" charset="0"/>
+              </a:rPr>
+              <a:t>Request Header</a:t>
+            </a:r>
+          </a:p>
+          <a:p>
+            <a:pPr marL="742950" lvl="1" indent="-285750">
+              <a:buFont typeface="Arial" panose="020B0604020202020204" pitchFamily="34" charset="0"/>
+              <a:buChar char="•"/>
+            </a:pPr>
+            <a:r>
+              <a:rPr lang="en-IN" sz="1400" dirty="0">
+                <a:latin typeface="Calibri" panose="020F0502020204030204" pitchFamily="34" charset="0"/>
+                <a:ea typeface="Calibri" panose="020F0502020204030204" pitchFamily="34" charset="0"/>
+                <a:cs typeface="Calibri" panose="020F0502020204030204" pitchFamily="34" charset="0"/>
+              </a:rPr>
+              <a:t>Request Body</a:t>
+            </a:r>
+          </a:p>
+          <a:p>
+            <a:r>
+              <a:rPr lang="en-IN" sz="1400" b="1" dirty="0">
+                <a:latin typeface="Calibri" panose="020F0502020204030204" pitchFamily="34" charset="0"/>
+                <a:ea typeface="Calibri" panose="020F0502020204030204" pitchFamily="34" charset="0"/>
+                <a:cs typeface="Calibri" panose="020F0502020204030204" pitchFamily="34" charset="0"/>
+              </a:rPr>
+              <a:t>Availability of dynamic Value:</a:t>
+            </a:r>
+          </a:p>
+          <a:p>
+            <a:pPr marL="742950" lvl="1" indent="-285750">
+              <a:buFont typeface="Arial" panose="020B0604020202020204" pitchFamily="34" charset="0"/>
+              <a:buChar char="•"/>
+            </a:pPr>
+            <a:r>
+              <a:rPr lang="en-IN" sz="1400" dirty="0">
+                <a:latin typeface="Calibri" panose="020F0502020204030204" pitchFamily="34" charset="0"/>
+                <a:ea typeface="Calibri" panose="020F0502020204030204" pitchFamily="34" charset="0"/>
+                <a:cs typeface="Calibri" panose="020F0502020204030204" pitchFamily="34" charset="0"/>
+              </a:rPr>
+              <a:t>Response Body</a:t>
+            </a:r>
+          </a:p>
+          <a:p>
+            <a:pPr marL="742950" lvl="1" indent="-285750">
+              <a:buFont typeface="Arial" panose="020B0604020202020204" pitchFamily="34" charset="0"/>
+              <a:buChar char="•"/>
+            </a:pPr>
+            <a:r>
+              <a:rPr lang="en-IN" sz="1400" dirty="0">
+                <a:latin typeface="Calibri" panose="020F0502020204030204" pitchFamily="34" charset="0"/>
+                <a:ea typeface="Calibri" panose="020F0502020204030204" pitchFamily="34" charset="0"/>
+                <a:cs typeface="Calibri" panose="020F0502020204030204" pitchFamily="34" charset="0"/>
+              </a:rPr>
+              <a:t>Response Header</a:t>
+            </a:r>
+          </a:p>
+          <a:p>
+            <a:r>
+              <a:rPr lang="en-IN" sz="1400" b="1" dirty="0">
+                <a:latin typeface="Calibri" panose="020F0502020204030204" pitchFamily="34" charset="0"/>
+                <a:ea typeface="Calibri" panose="020F0502020204030204" pitchFamily="34" charset="0"/>
+                <a:cs typeface="Calibri" panose="020F0502020204030204" pitchFamily="34" charset="0"/>
+              </a:rPr>
+              <a:t>How to identify Dynamic Values:</a:t>
+            </a:r>
+          </a:p>
+          <a:p>
+            <a:pPr marL="285750" indent="-285750">
+              <a:buFont typeface="Arial" panose="020B0604020202020204" pitchFamily="34" charset="0"/>
+              <a:buChar char="•"/>
+            </a:pPr>
+            <a:r>
+              <a:rPr lang="en-IN" sz="1400" dirty="0">
+                <a:latin typeface="Calibri" panose="020F0502020204030204" pitchFamily="34" charset="0"/>
+                <a:ea typeface="Calibri" panose="020F0502020204030204" pitchFamily="34" charset="0"/>
+                <a:cs typeface="Calibri" panose="020F0502020204030204" pitchFamily="34" charset="0"/>
+              </a:rPr>
+              <a:t>Take 2 different username and password (If you don’t have multiple users then use same user) and record the same flow 2 times by changing the user inputs as well, and compare the both scripts for changing data or values. </a:t>
+            </a:r>
+            <a:r>
+              <a:rPr lang="en-IN" sz="1400" b="1" dirty="0">
+                <a:latin typeface="Calibri" panose="020F0502020204030204" pitchFamily="34" charset="0"/>
+                <a:ea typeface="Calibri" panose="020F0502020204030204" pitchFamily="34" charset="0"/>
+                <a:cs typeface="Calibri" panose="020F0502020204030204" pitchFamily="34" charset="0"/>
+              </a:rPr>
+              <a:t> </a:t>
+            </a:r>
+            <a:endParaRPr lang="en-US" sz="1400" b="1" dirty="0">
+              <a:latin typeface="Calibri" panose="020F0502020204030204" pitchFamily="34" charset="0"/>
+              <a:ea typeface="Calibri" panose="020F0502020204030204" pitchFamily="34" charset="0"/>
+              <a:cs typeface="Calibri" panose="020F0502020204030204" pitchFamily="34" charset="0"/>
+            </a:endParaRPr>
+          </a:p>
+          <a:p>
+            <a:r>
+              <a:rPr lang="en-IN" sz="1400" b="1" dirty="0">
+                <a:latin typeface="Calibri" panose="020F0502020204030204" pitchFamily="34" charset="0"/>
+                <a:ea typeface="Calibri" panose="020F0502020204030204" pitchFamily="34" charset="0"/>
+                <a:cs typeface="Calibri" panose="020F0502020204030204" pitchFamily="34" charset="0"/>
+              </a:rPr>
+              <a:t>Correlation Steps</a:t>
+            </a:r>
+          </a:p>
+          <a:p>
+            <a:pPr marL="800100" lvl="1" indent="-342900">
+              <a:buFont typeface="Arial" panose="020B0604020202020204" pitchFamily="34" charset="0"/>
+              <a:buChar char="•"/>
+            </a:pPr>
+            <a:r>
+              <a:rPr lang="en-US" sz="1400" dirty="0">
+                <a:latin typeface="Calibri" panose="020F0502020204030204" pitchFamily="34" charset="0"/>
+                <a:ea typeface="Calibri" panose="020F0502020204030204" pitchFamily="34" charset="0"/>
+                <a:cs typeface="Calibri" panose="020F0502020204030204" pitchFamily="34" charset="0"/>
+              </a:rPr>
+              <a:t>Identify dynamic value.</a:t>
+            </a:r>
+          </a:p>
+          <a:p>
+            <a:pPr marL="742950" lvl="1" indent="-285750">
+              <a:buFont typeface="Arial" panose="020B0604020202020204" pitchFamily="34" charset="0"/>
+              <a:buChar char="•"/>
+            </a:pPr>
+            <a:r>
+              <a:rPr lang="en-US" sz="1400" dirty="0">
+                <a:latin typeface="Calibri" panose="020F0502020204030204" pitchFamily="34" charset="0"/>
+                <a:ea typeface="Calibri" panose="020F0502020204030204" pitchFamily="34" charset="0"/>
+                <a:cs typeface="Calibri" panose="020F0502020204030204" pitchFamily="34" charset="0"/>
+              </a:rPr>
+              <a:t> Write and test your pattern(Regular expression/Boundaries) and find the occurrence of the value.</a:t>
+            </a:r>
+          </a:p>
+          <a:p>
+            <a:pPr marL="742950" lvl="1" indent="-285750">
+              <a:buFont typeface="Arial" panose="020B0604020202020204" pitchFamily="34" charset="0"/>
+              <a:buChar char="•"/>
+            </a:pPr>
+            <a:r>
+              <a:rPr lang="en-US" sz="1400" dirty="0">
+                <a:latin typeface="Calibri" panose="020F0502020204030204" pitchFamily="34" charset="0"/>
+                <a:ea typeface="Calibri" panose="020F0502020204030204" pitchFamily="34" charset="0"/>
+                <a:cs typeface="Calibri" panose="020F0502020204030204" pitchFamily="34" charset="0"/>
+              </a:rPr>
+              <a:t> Capture using Post-Processor</a:t>
+            </a:r>
+          </a:p>
+          <a:p>
+            <a:pPr marL="742950" lvl="1" indent="-285750">
+              <a:buFont typeface="Arial" panose="020B0604020202020204" pitchFamily="34" charset="0"/>
+              <a:buChar char="•"/>
+            </a:pPr>
+            <a:r>
+              <a:rPr lang="en-US" sz="1400" dirty="0">
+                <a:latin typeface="Calibri" panose="020F0502020204030204" pitchFamily="34" charset="0"/>
+                <a:ea typeface="Calibri" panose="020F0502020204030204" pitchFamily="34" charset="0"/>
+                <a:cs typeface="Calibri" panose="020F0502020204030204" pitchFamily="34" charset="0"/>
+              </a:rPr>
+              <a:t> Store in variable</a:t>
+            </a:r>
+          </a:p>
+          <a:p>
+            <a:pPr marL="742950" lvl="1" indent="-285750">
+              <a:buFont typeface="Arial" panose="020B0604020202020204" pitchFamily="34" charset="0"/>
+              <a:buChar char="•"/>
+            </a:pPr>
+            <a:r>
+              <a:rPr lang="en-US" sz="1400" dirty="0">
+                <a:latin typeface="Calibri" panose="020F0502020204030204" pitchFamily="34" charset="0"/>
+                <a:ea typeface="Calibri" panose="020F0502020204030204" pitchFamily="34" charset="0"/>
+                <a:cs typeface="Calibri" panose="020F0502020204030204" pitchFamily="34" charset="0"/>
+              </a:rPr>
+              <a:t> Use variable (</a:t>
+            </a:r>
+            <a:r>
+              <a:rPr lang="en-US" sz="1400" dirty="0" err="1">
+                <a:latin typeface="Calibri" panose="020F0502020204030204" pitchFamily="34" charset="0"/>
+                <a:ea typeface="Calibri" panose="020F0502020204030204" pitchFamily="34" charset="0"/>
+                <a:cs typeface="Calibri" panose="020F0502020204030204" pitchFamily="34" charset="0"/>
+              </a:rPr>
+              <a:t>cntrl</a:t>
+            </a:r>
+            <a:r>
+              <a:rPr lang="en-US" sz="1400" dirty="0">
+                <a:latin typeface="Calibri" panose="020F0502020204030204" pitchFamily="34" charset="0"/>
+                <a:ea typeface="Calibri" panose="020F0502020204030204" pitchFamily="34" charset="0"/>
+                <a:cs typeface="Calibri" panose="020F0502020204030204" pitchFamily="34" charset="0"/>
+              </a:rPr>
+              <a:t> + F to replace the variable (${variable}) with value) in next request</a:t>
+            </a:r>
+          </a:p>
+          <a:p>
+            <a:r>
+              <a:rPr lang="en-IN" sz="1400" b="1" dirty="0">
+                <a:latin typeface="Calibri" panose="020F0502020204030204" pitchFamily="34" charset="0"/>
+                <a:ea typeface="Calibri" panose="020F0502020204030204" pitchFamily="34" charset="0"/>
+                <a:cs typeface="Calibri" panose="020F0502020204030204" pitchFamily="34" charset="0"/>
+              </a:rPr>
+              <a:t>Correlation Tools in JMeter:</a:t>
+            </a:r>
+          </a:p>
+          <a:p>
+            <a:pPr marL="742950" lvl="1" indent="-285750">
+              <a:buFont typeface="Arial" panose="020B0604020202020204" pitchFamily="34" charset="0"/>
+              <a:buChar char="•"/>
+            </a:pPr>
+            <a:r>
+              <a:rPr lang="en-IN" sz="1400" dirty="0">
+                <a:latin typeface="Calibri" panose="020F0502020204030204" pitchFamily="34" charset="0"/>
+                <a:ea typeface="Calibri" panose="020F0502020204030204" pitchFamily="34" charset="0"/>
+                <a:cs typeface="Calibri" panose="020F0502020204030204" pitchFamily="34" charset="0"/>
+              </a:rPr>
+              <a:t>Regular Expression Extractor</a:t>
+            </a:r>
+          </a:p>
+          <a:p>
+            <a:pPr marL="742950" lvl="1" indent="-285750">
+              <a:buFont typeface="Arial" panose="020B0604020202020204" pitchFamily="34" charset="0"/>
+              <a:buChar char="•"/>
+            </a:pPr>
+            <a:r>
+              <a:rPr lang="en-IN" sz="1400" dirty="0">
+                <a:latin typeface="Calibri" panose="020F0502020204030204" pitchFamily="34" charset="0"/>
+                <a:ea typeface="Calibri" panose="020F0502020204030204" pitchFamily="34" charset="0"/>
+                <a:cs typeface="Calibri" panose="020F0502020204030204" pitchFamily="34" charset="0"/>
+              </a:rPr>
+              <a:t>Boundary Extractor</a:t>
+            </a:r>
+          </a:p>
+          <a:p>
+            <a:pPr marL="742950" lvl="1" indent="-285750">
+              <a:buFont typeface="Arial" panose="020B0604020202020204" pitchFamily="34" charset="0"/>
+              <a:buChar char="•"/>
+            </a:pPr>
+            <a:r>
+              <a:rPr lang="en-IN" sz="1400" dirty="0">
+                <a:latin typeface="Calibri" panose="020F0502020204030204" pitchFamily="34" charset="0"/>
+                <a:ea typeface="Calibri" panose="020F0502020204030204" pitchFamily="34" charset="0"/>
+                <a:cs typeface="Calibri" panose="020F0502020204030204" pitchFamily="34" charset="0"/>
+              </a:rPr>
+              <a:t>JSON Extractor</a:t>
+            </a:r>
+          </a:p>
+          <a:p>
+            <a:pPr marL="742950" lvl="1" indent="-285750">
+              <a:buFont typeface="Arial" panose="020B0604020202020204" pitchFamily="34" charset="0"/>
+              <a:buChar char="•"/>
+            </a:pPr>
+            <a:r>
+              <a:rPr lang="en-IN" sz="1400" dirty="0">
+                <a:latin typeface="Calibri" panose="020F0502020204030204" pitchFamily="34" charset="0"/>
+                <a:ea typeface="Calibri" panose="020F0502020204030204" pitchFamily="34" charset="0"/>
+                <a:cs typeface="Calibri" panose="020F0502020204030204" pitchFamily="34" charset="0"/>
+              </a:rPr>
+              <a:t>XPath Extractor</a:t>
+            </a:r>
+          </a:p>
+          <a:p>
+            <a:pPr marL="742950" lvl="1" indent="-285750">
+              <a:buFont typeface="Arial" panose="020B0604020202020204" pitchFamily="34" charset="0"/>
+              <a:buChar char="•"/>
+            </a:pPr>
+            <a:r>
+              <a:rPr lang="en-IN" sz="1400" dirty="0">
+                <a:latin typeface="Calibri" panose="020F0502020204030204" pitchFamily="34" charset="0"/>
+                <a:ea typeface="Calibri" panose="020F0502020204030204" pitchFamily="34" charset="0"/>
+                <a:cs typeface="Calibri" panose="020F0502020204030204" pitchFamily="34" charset="0"/>
+              </a:rPr>
+              <a:t>CSS Selector Extractor</a:t>
+            </a:r>
+          </a:p>
+          <a:p>
+            <a:r>
+              <a:rPr lang="en-IN" sz="1400" b="1" dirty="0">
+                <a:latin typeface="Calibri" panose="020F0502020204030204" pitchFamily="34" charset="0"/>
+                <a:ea typeface="Calibri" panose="020F0502020204030204" pitchFamily="34" charset="0"/>
+                <a:cs typeface="Calibri" panose="020F0502020204030204" pitchFamily="34" charset="0"/>
+              </a:rPr>
+              <a:t>Common Correlation Issues:</a:t>
+            </a:r>
+          </a:p>
+          <a:p>
+            <a:pPr marL="742950" lvl="1" indent="-285750">
+              <a:buFont typeface="Arial" panose="020B0604020202020204" pitchFamily="34" charset="0"/>
+              <a:buChar char="•"/>
+            </a:pPr>
+            <a:r>
+              <a:rPr lang="en-US" sz="1400" dirty="0">
+                <a:latin typeface="Calibri" panose="020F0502020204030204" pitchFamily="34" charset="0"/>
+                <a:ea typeface="Calibri" panose="020F0502020204030204" pitchFamily="34" charset="0"/>
+                <a:cs typeface="Calibri" panose="020F0502020204030204" pitchFamily="34" charset="0"/>
+              </a:rPr>
+              <a:t>Wrong boundaries</a:t>
+            </a:r>
+          </a:p>
+          <a:p>
+            <a:pPr marL="742950" lvl="1" indent="-285750">
+              <a:buFont typeface="Arial" panose="020B0604020202020204" pitchFamily="34" charset="0"/>
+              <a:buChar char="•"/>
+            </a:pPr>
+            <a:r>
+              <a:rPr lang="en-US" sz="1400" dirty="0">
+                <a:latin typeface="Calibri" panose="020F0502020204030204" pitchFamily="34" charset="0"/>
+                <a:ea typeface="Calibri" panose="020F0502020204030204" pitchFamily="34" charset="0"/>
+                <a:cs typeface="Calibri" panose="020F0502020204030204" pitchFamily="34" charset="0"/>
+              </a:rPr>
+              <a:t>Scope issues</a:t>
+            </a:r>
+          </a:p>
+          <a:p>
+            <a:pPr marL="742950" lvl="1" indent="-285750">
+              <a:buFont typeface="Arial" panose="020B0604020202020204" pitchFamily="34" charset="0"/>
+              <a:buChar char="•"/>
+            </a:pPr>
+            <a:r>
+              <a:rPr lang="en-US" sz="1400" dirty="0">
+                <a:latin typeface="Calibri" panose="020F0502020204030204" pitchFamily="34" charset="0"/>
+                <a:ea typeface="Calibri" panose="020F0502020204030204" pitchFamily="34" charset="0"/>
+                <a:cs typeface="Calibri" panose="020F0502020204030204" pitchFamily="34" charset="0"/>
+              </a:rPr>
+              <a:t>Missing variable usage</a:t>
+            </a:r>
+          </a:p>
+          <a:p>
+            <a:endParaRPr lang="en-IN" sz="1400" b="1" dirty="0">
+              <a:latin typeface="Calibri" panose="020F0502020204030204" pitchFamily="34" charset="0"/>
+              <a:ea typeface="Calibri" panose="020F0502020204030204" pitchFamily="34" charset="0"/>
+              <a:cs typeface="Calibri" panose="020F0502020204030204" pitchFamily="34" charset="0"/>
+            </a:endParaRPr>
+          </a:p>
+          <a:p>
+            <a:endParaRPr lang="en-US" sz="1400" b="1" dirty="0">
+              <a:latin typeface="Calibri" panose="020F0502020204030204" pitchFamily="34" charset="0"/>
+              <a:ea typeface="Calibri" panose="020F0502020204030204" pitchFamily="34" charset="0"/>
+              <a:cs typeface="Calibri" panose="020F0502020204030204" pitchFamily="34" charset="0"/>
+            </a:endParaRPr>
+          </a:p>
+          <a:p>
+            <a:endParaRPr lang="en-US" sz="1400" b="1" dirty="0">
+              <a:latin typeface="Calibri" panose="020F0502020204030204" pitchFamily="34" charset="0"/>
+              <a:ea typeface="Calibri" panose="020F0502020204030204" pitchFamily="34" charset="0"/>
+              <a:cs typeface="Calibri" panose="020F0502020204030204" pitchFamily="34" charset="0"/>
+            </a:endParaRPr>
+          </a:p>
+          <a:p>
+            <a:endParaRPr lang="en-IN" sz="1400" b="1" dirty="0">
+              <a:latin typeface="Calibri" panose="020F0502020204030204" pitchFamily="34" charset="0"/>
+              <a:ea typeface="Calibri" panose="020F0502020204030204" pitchFamily="34" charset="0"/>
+              <a:cs typeface="Calibri" panose="020F0502020204030204" pitchFamily="34" charset="0"/>
+            </a:endParaRPr>
+          </a:p>
+          <a:p>
+            <a:endParaRPr lang="en-IN" sz="1400" b="1" dirty="0">
+              <a:latin typeface="Calibri" panose="020F0502020204030204" pitchFamily="34" charset="0"/>
+              <a:ea typeface="Calibri" panose="020F0502020204030204" pitchFamily="34" charset="0"/>
+              <a:cs typeface="Calibri" panose="020F0502020204030204" pitchFamily="34" charset="0"/>
+            </a:endParaRPr>
+          </a:p>
+          <a:p>
+            <a:pPr marL="342900" indent="-342900">
+              <a:buFont typeface="+mj-lt"/>
+              <a:buAutoNum type="arabicPeriod"/>
+            </a:pPr>
+            <a:endParaRPr lang="en-IN" sz="1400" dirty="0">
+              <a:latin typeface="Calibri" panose="020F0502020204030204" pitchFamily="34" charset="0"/>
+              <a:ea typeface="Calibri" panose="020F0502020204030204" pitchFamily="34" charset="0"/>
+              <a:cs typeface="Calibri" panose="020F0502020204030204" pitchFamily="34" charset="0"/>
+            </a:endParaRPr>
+          </a:p>
+        </p:txBody>
+      </p:sp>
+    </p:spTree>
+    <p:extLst>
+      <p:ext uri="{BB962C8B-B14F-4D97-AF65-F5344CB8AC3E}">
+        <p14:creationId xmlns:p14="http://schemas.microsoft.com/office/powerpoint/2010/main" val="1083190203"/>
+      </p:ext>
+    </p:extLst>
+  </p:cSld>
+  <p:clrMapOvr>
+    <a:masterClrMapping/>
+  </p:clrMapOvr>
+</p:sld>
+</file>
+
+<file path=ppt/slides/slide9.xml><?xml version="1.0" encoding="utf-8"?>
 <p:sld xmlns:a="http://schemas.openxmlformats.org/drawingml/2006/main" xmlns:r="http://schemas.openxmlformats.org/officeDocument/2006/relationships" xmlns:p="http://schemas.openxmlformats.org/presentationml/2006/main">
   <p:cSld>
     <p:spTree>
@@ -5677,255 +5977,6 @@
     <p:extLst>
       <p:ext uri="{BB962C8B-B14F-4D97-AF65-F5344CB8AC3E}">
         <p14:creationId xmlns:p14="http://schemas.microsoft.com/office/powerpoint/2010/main" val="567158347"/>
-      </p:ext>
-    </p:extLst>
-  </p:cSld>
-  <p:clrMapOvr>
-    <a:masterClrMapping/>
-  </p:clrMapOvr>
-</p:sld>
-</file>
-
-<file path=ppt/slides/slide7.xml><?xml version="1.0" encoding="utf-8"?>
-<p:sld xmlns:a="http://schemas.openxmlformats.org/drawingml/2006/main" xmlns:r="http://schemas.openxmlformats.org/officeDocument/2006/relationships" xmlns:p="http://schemas.openxmlformats.org/presentationml/2006/main">
-  <p:cSld>
-    <p:spTree>
-      <p:nvGrpSpPr>
-        <p:cNvPr id="1" name="">
-          <a:extLst>
-            <a:ext uri="{FF2B5EF4-FFF2-40B4-BE49-F238E27FC236}">
-              <a16:creationId xmlns:a16="http://schemas.microsoft.com/office/drawing/2014/main" id="{394A4511-6F4D-B34D-3755-6D67F30A7623}"/>
-            </a:ext>
-          </a:extLst>
-        </p:cNvPr>
-        <p:cNvGrpSpPr/>
-        <p:nvPr/>
-      </p:nvGrpSpPr>
-      <p:grpSpPr>
-        <a:xfrm>
-          <a:off x="0" y="0"/>
-          <a:ext cx="0" cy="0"/>
-          <a:chOff x="0" y="0"/>
-          <a:chExt cx="0" cy="0"/>
-        </a:xfrm>
-      </p:grpSpPr>
-      <p:pic>
-        <p:nvPicPr>
-          <p:cNvPr id="2050" name="Picture 2" descr="How to Fix an SSL Certificate Error? | Blog | Stablepoint">
-            <a:extLst>
-              <a:ext uri="{FF2B5EF4-FFF2-40B4-BE49-F238E27FC236}">
-                <a16:creationId xmlns:a16="http://schemas.microsoft.com/office/drawing/2014/main" id="{E74506C5-11EA-CDBA-00FF-3E6194CBE779}"/>
-              </a:ext>
-            </a:extLst>
-          </p:cNvPr>
-          <p:cNvPicPr>
-            <a:picLocks noChangeAspect="1" noChangeArrowheads="1"/>
-          </p:cNvPicPr>
-          <p:nvPr/>
-        </p:nvPicPr>
-        <p:blipFill>
-          <a:blip r:embed="rId2">
-            <a:extLst>
-              <a:ext uri="{28A0092B-C50C-407E-A947-70E740481C1C}">
-                <a14:useLocalDpi xmlns:a14="http://schemas.microsoft.com/office/drawing/2010/main" val="0"/>
-              </a:ext>
-            </a:extLst>
-          </a:blip>
-          <a:srcRect/>
-          <a:stretch>
-            <a:fillRect/>
-          </a:stretch>
-        </p:blipFill>
-        <p:spPr bwMode="auto">
-          <a:xfrm>
-            <a:off x="830167" y="506082"/>
-            <a:ext cx="10855750" cy="5664679"/>
-          </a:xfrm>
-          <a:prstGeom prst="rect">
-            <a:avLst/>
-          </a:prstGeom>
-          <a:noFill/>
-          <a:extLst>
-            <a:ext uri="{909E8E84-426E-40DD-AFC4-6F175D3DCCD1}">
-              <a14:hiddenFill xmlns:a14="http://schemas.microsoft.com/office/drawing/2010/main">
-                <a:solidFill>
-                  <a:srgbClr val="FFFFFF"/>
-                </a:solidFill>
-              </a14:hiddenFill>
-            </a:ext>
-          </a:extLst>
-        </p:spPr>
-      </p:pic>
-    </p:spTree>
-    <p:extLst>
-      <p:ext uri="{BB962C8B-B14F-4D97-AF65-F5344CB8AC3E}">
-        <p14:creationId xmlns:p14="http://schemas.microsoft.com/office/powerpoint/2010/main" val="4170458391"/>
-      </p:ext>
-    </p:extLst>
-  </p:cSld>
-  <p:clrMapOvr>
-    <a:masterClrMapping/>
-  </p:clrMapOvr>
-</p:sld>
-</file>
-
-<file path=ppt/slides/slide8.xml><?xml version="1.0" encoding="utf-8"?>
-<p:sld xmlns:a="http://schemas.openxmlformats.org/drawingml/2006/main" xmlns:r="http://schemas.openxmlformats.org/officeDocument/2006/relationships" xmlns:p="http://schemas.openxmlformats.org/presentationml/2006/main">
-  <p:cSld>
-    <p:spTree>
-      <p:nvGrpSpPr>
-        <p:cNvPr id="1" name="">
-          <a:extLst>
-            <a:ext uri="{FF2B5EF4-FFF2-40B4-BE49-F238E27FC236}">
-              <a16:creationId xmlns:a16="http://schemas.microsoft.com/office/drawing/2014/main" id="{7680740E-91C3-7C43-FA21-6E56ED1060F2}"/>
-            </a:ext>
-          </a:extLst>
-        </p:cNvPr>
-        <p:cNvGrpSpPr/>
-        <p:nvPr/>
-      </p:nvGrpSpPr>
-      <p:grpSpPr>
-        <a:xfrm>
-          <a:off x="0" y="0"/>
-          <a:ext cx="0" cy="0"/>
-          <a:chOff x="0" y="0"/>
-          <a:chExt cx="0" cy="0"/>
-        </a:xfrm>
-      </p:grpSpPr>
-      <p:pic>
-        <p:nvPicPr>
-          <p:cNvPr id="2052" name="Picture 4" descr="Resolver el error Tu conexión no es privada - 10Web">
-            <a:extLst>
-              <a:ext uri="{FF2B5EF4-FFF2-40B4-BE49-F238E27FC236}">
-                <a16:creationId xmlns:a16="http://schemas.microsoft.com/office/drawing/2014/main" id="{E87BF200-2A35-8ADD-AC4A-1D8D8D215E48}"/>
-              </a:ext>
-            </a:extLst>
-          </p:cNvPr>
-          <p:cNvPicPr>
-            <a:picLocks noChangeAspect="1" noChangeArrowheads="1"/>
-          </p:cNvPicPr>
-          <p:nvPr/>
-        </p:nvPicPr>
-        <p:blipFill>
-          <a:blip r:embed="rId2">
-            <a:extLst>
-              <a:ext uri="{28A0092B-C50C-407E-A947-70E740481C1C}">
-                <a14:useLocalDpi xmlns:a14="http://schemas.microsoft.com/office/drawing/2010/main" val="0"/>
-              </a:ext>
-            </a:extLst>
-          </a:blip>
-          <a:srcRect/>
-          <a:stretch>
-            <a:fillRect/>
-          </a:stretch>
-        </p:blipFill>
-        <p:spPr bwMode="auto">
-          <a:xfrm>
-            <a:off x="0" y="9525"/>
-            <a:ext cx="12192000" cy="6838950"/>
-          </a:xfrm>
-          <a:prstGeom prst="rect">
-            <a:avLst/>
-          </a:prstGeom>
-          <a:noFill/>
-          <a:extLst>
-            <a:ext uri="{909E8E84-426E-40DD-AFC4-6F175D3DCCD1}">
-              <a14:hiddenFill xmlns:a14="http://schemas.microsoft.com/office/drawing/2010/main">
-                <a:solidFill>
-                  <a:srgbClr val="FFFFFF"/>
-                </a:solidFill>
-              </a14:hiddenFill>
-            </a:ext>
-          </a:extLst>
-        </p:spPr>
-      </p:pic>
-    </p:spTree>
-    <p:extLst>
-      <p:ext uri="{BB962C8B-B14F-4D97-AF65-F5344CB8AC3E}">
-        <p14:creationId xmlns:p14="http://schemas.microsoft.com/office/powerpoint/2010/main" val="2672595134"/>
-      </p:ext>
-    </p:extLst>
-  </p:cSld>
-  <p:clrMapOvr>
-    <a:masterClrMapping/>
-  </p:clrMapOvr>
-</p:sld>
-</file>
-
-<file path=ppt/slides/slide9.xml><?xml version="1.0" encoding="utf-8"?>
-<p:sld xmlns:a="http://schemas.openxmlformats.org/drawingml/2006/main" xmlns:r="http://schemas.openxmlformats.org/officeDocument/2006/relationships" xmlns:p="http://schemas.openxmlformats.org/presentationml/2006/main">
-  <p:cSld>
-    <p:spTree>
-      <p:nvGrpSpPr>
-        <p:cNvPr id="1" name="">
-          <a:extLst>
-            <a:ext uri="{FF2B5EF4-FFF2-40B4-BE49-F238E27FC236}">
-              <a16:creationId xmlns:a16="http://schemas.microsoft.com/office/drawing/2014/main" id="{51703711-0FFB-BFA5-0A3A-7E76B3D1AB38}"/>
-            </a:ext>
-          </a:extLst>
-        </p:cNvPr>
-        <p:cNvGrpSpPr/>
-        <p:nvPr/>
-      </p:nvGrpSpPr>
-      <p:grpSpPr>
-        <a:xfrm>
-          <a:off x="0" y="0"/>
-          <a:ext cx="0" cy="0"/>
-          <a:chOff x="0" y="0"/>
-          <a:chExt cx="0" cy="0"/>
-        </a:xfrm>
-      </p:grpSpPr>
-      <p:pic>
-        <p:nvPicPr>
-          <p:cNvPr id="4098" name="Picture 2" descr="9 Ways to Fix Safari This Connection is Not Private – TechCult">
-            <a:extLst>
-              <a:ext uri="{FF2B5EF4-FFF2-40B4-BE49-F238E27FC236}">
-                <a16:creationId xmlns:a16="http://schemas.microsoft.com/office/drawing/2014/main" id="{D590241B-DAA0-4AD6-CF0D-8BA55C774339}"/>
-              </a:ext>
-            </a:extLst>
-          </p:cNvPr>
-          <p:cNvPicPr>
-            <a:picLocks noChangeAspect="1" noChangeArrowheads="1"/>
-          </p:cNvPicPr>
-          <p:nvPr/>
-        </p:nvPicPr>
-        <p:blipFill>
-          <a:blip r:embed="rId2">
-            <a:extLst>
-              <a:ext uri="{28A0092B-C50C-407E-A947-70E740481C1C}">
-                <a14:useLocalDpi xmlns:a14="http://schemas.microsoft.com/office/drawing/2010/main" val="0"/>
-              </a:ext>
-            </a:extLst>
-          </a:blip>
-          <a:srcRect/>
-          <a:stretch>
-            <a:fillRect/>
-          </a:stretch>
-        </p:blipFill>
-        <p:spPr bwMode="auto">
-          <a:xfrm>
-            <a:off x="724619" y="1143000"/>
-            <a:ext cx="9299275" cy="4572000"/>
-          </a:xfrm>
-          <a:prstGeom prst="rect">
-            <a:avLst/>
-          </a:prstGeom>
-          <a:noFill/>
-          <a:extLst>
-            <a:ext uri="{909E8E84-426E-40DD-AFC4-6F175D3DCCD1}">
-              <a14:hiddenFill xmlns:a14="http://schemas.microsoft.com/office/drawing/2010/main">
-                <a:solidFill>
-                  <a:srgbClr val="FFFFFF"/>
-                </a:solidFill>
-              </a14:hiddenFill>
-            </a:ext>
-          </a:extLst>
-        </p:spPr>
-      </p:pic>
-    </p:spTree>
-    <p:extLst>
-      <p:ext uri="{BB962C8B-B14F-4D97-AF65-F5344CB8AC3E}">
-        <p14:creationId xmlns:p14="http://schemas.microsoft.com/office/powerpoint/2010/main" val="2256868922"/>
       </p:ext>
     </p:extLst>
   </p:cSld>
